--- a/js_ppt/1강. JavaScript 기초문법.pptx
+++ b/js_ppt/1강. JavaScript 기초문법.pptx
@@ -5,7 +5,7 @@
     <p:sldMasterId id="2147483648" r:id="rId1"/>
   </p:sldMasterIdLst>
   <p:notesMasterIdLst>
-    <p:notesMasterId r:id="rId35"/>
+    <p:notesMasterId r:id="rId36"/>
   </p:notesMasterIdLst>
   <p:sldIdLst>
     <p:sldId id="256" r:id="rId2"/>
@@ -34,13 +34,14 @@
     <p:sldId id="353" r:id="rId25"/>
     <p:sldId id="354" r:id="rId26"/>
     <p:sldId id="355" r:id="rId27"/>
-    <p:sldId id="356" r:id="rId28"/>
-    <p:sldId id="357" r:id="rId29"/>
-    <p:sldId id="358" r:id="rId30"/>
-    <p:sldId id="359" r:id="rId31"/>
-    <p:sldId id="360" r:id="rId32"/>
-    <p:sldId id="361" r:id="rId33"/>
-    <p:sldId id="362" r:id="rId34"/>
+    <p:sldId id="363" r:id="rId28"/>
+    <p:sldId id="356" r:id="rId29"/>
+    <p:sldId id="357" r:id="rId30"/>
+    <p:sldId id="358" r:id="rId31"/>
+    <p:sldId id="359" r:id="rId32"/>
+    <p:sldId id="360" r:id="rId33"/>
+    <p:sldId id="361" r:id="rId34"/>
+    <p:sldId id="362" r:id="rId35"/>
   </p:sldIdLst>
   <p:sldSz cx="9906000" cy="6858000" type="A4"/>
   <p:notesSz cx="6858000" cy="9144000"/>
@@ -141,7 +142,7 @@
   </p:defaultTextStyle>
   <p:extLst>
     <p:ext uri="{EFAFB233-063F-42B5-8137-9DF3F51BA10A}">
-      <p15:sldGuideLst xmlns="" xmlns:p15="http://schemas.microsoft.com/office/powerpoint/2012/main">
+      <p15:sldGuideLst xmlns:p15="http://schemas.microsoft.com/office/powerpoint/2012/main">
         <p15:guide id="1" orient="horz" pos="2160">
           <p15:clr>
             <a:srgbClr val="A4A3A4"/>
@@ -240,7 +241,7 @@
           <a:p>
             <a:fld id="{7665CDAC-D627-4E87-877A-1B781DD4CADC}" type="datetimeFigureOut">
               <a:rPr lang="ko-KR" altLang="en-US" smtClean="0"/>
-              <a:t>2022-05-20</a:t>
+              <a:t>2023-03-28</a:t>
             </a:fld>
             <a:endParaRPr lang="ko-KR" altLang="en-US"/>
           </a:p>
@@ -654,7 +655,7 @@
           <a:p>
             <a:fld id="{C25BCFD5-C4DF-4EBC-B718-C69ED2FBDE6F}" type="datetime1">
               <a:rPr lang="ko-KR" altLang="en-US" smtClean="0"/>
-              <a:t>2022-05-20</a:t>
+              <a:t>2023-03-28</a:t>
             </a:fld>
             <a:endParaRPr lang="ko-KR" altLang="en-US"/>
           </a:p>
@@ -1079,7 +1080,7 @@
           <a:p>
             <a:fld id="{AB448CD7-D367-43D5-B461-ACE552E75063}" type="datetime1">
               <a:rPr lang="ko-KR" altLang="en-US" smtClean="0"/>
-              <a:t>2022-05-20</a:t>
+              <a:t>2023-03-28</a:t>
             </a:fld>
             <a:endParaRPr lang="ko-KR" altLang="en-US"/>
           </a:p>
@@ -1259,7 +1260,7 @@
           <a:p>
             <a:fld id="{B6E49E79-7361-4780-8BEF-7EDE3708298A}" type="datetime1">
               <a:rPr lang="ko-KR" altLang="en-US" smtClean="0"/>
-              <a:t>2022-05-20</a:t>
+              <a:t>2023-03-28</a:t>
             </a:fld>
             <a:endParaRPr lang="ko-KR" altLang="en-US"/>
           </a:p>
@@ -1433,7 +1434,7 @@
           <a:p>
             <a:fld id="{A4D42E3C-B70B-437C-85CF-1286301B9CBA}" type="datetime1">
               <a:rPr lang="ko-KR" altLang="en-US" smtClean="0"/>
-              <a:t>2022-05-20</a:t>
+              <a:t>2023-03-28</a:t>
             </a:fld>
             <a:endParaRPr lang="ko-KR" altLang="en-US"/>
           </a:p>
@@ -1695,7 +1696,7 @@
           <a:p>
             <a:fld id="{B3369A20-5B3D-4D98-A822-26B93D177A40}" type="datetime1">
               <a:rPr lang="ko-KR" altLang="en-US" smtClean="0"/>
-              <a:t>2022-05-20</a:t>
+              <a:t>2023-03-28</a:t>
             </a:fld>
             <a:endParaRPr lang="ko-KR" altLang="en-US"/>
           </a:p>
@@ -1983,7 +1984,7 @@
           <a:p>
             <a:fld id="{685CD4CE-9E43-4F70-A9D8-A2130CA7D92A}" type="datetime1">
               <a:rPr lang="ko-KR" altLang="en-US" smtClean="0"/>
-              <a:t>2022-05-20</a:t>
+              <a:t>2023-03-28</a:t>
             </a:fld>
             <a:endParaRPr lang="ko-KR" altLang="en-US"/>
           </a:p>
@@ -2405,7 +2406,7 @@
           <a:p>
             <a:fld id="{F752BD92-DA3E-4A0B-90C9-7DE5E15B6E96}" type="datetime1">
               <a:rPr lang="ko-KR" altLang="en-US" smtClean="0"/>
-              <a:t>2022-05-20</a:t>
+              <a:t>2023-03-28</a:t>
             </a:fld>
             <a:endParaRPr lang="ko-KR" altLang="en-US"/>
           </a:p>
@@ -2523,7 +2524,7 @@
           <a:p>
             <a:fld id="{8EA2B83A-F366-424E-B742-340ACF856BB5}" type="datetime1">
               <a:rPr lang="ko-KR" altLang="en-US" smtClean="0"/>
-              <a:t>2022-05-20</a:t>
+              <a:t>2023-03-28</a:t>
             </a:fld>
             <a:endParaRPr lang="ko-KR" altLang="en-US"/>
           </a:p>
@@ -2618,7 +2619,7 @@
           <a:p>
             <a:fld id="{9A49D68B-5DBD-48E9-A8D4-FCBC4B3DD9C6}" type="datetime1">
               <a:rPr lang="ko-KR" altLang="en-US" smtClean="0"/>
-              <a:t>2022-05-20</a:t>
+              <a:t>2023-03-28</a:t>
             </a:fld>
             <a:endParaRPr lang="ko-KR" altLang="en-US"/>
           </a:p>
@@ -2895,7 +2896,7 @@
           <a:p>
             <a:fld id="{4CAB534F-7D16-467B-9320-91F98915D181}" type="datetime1">
               <a:rPr lang="ko-KR" altLang="en-US" smtClean="0"/>
-              <a:t>2022-05-20</a:t>
+              <a:t>2023-03-28</a:t>
             </a:fld>
             <a:endParaRPr lang="ko-KR" altLang="en-US"/>
           </a:p>
@@ -3148,7 +3149,7 @@
           <a:p>
             <a:fld id="{A390A91F-2F8D-4486-A69D-D680F95444B0}" type="datetime1">
               <a:rPr lang="ko-KR" altLang="en-US" smtClean="0"/>
-              <a:t>2022-05-20</a:t>
+              <a:t>2023-03-28</a:t>
             </a:fld>
             <a:endParaRPr lang="ko-KR" altLang="en-US"/>
           </a:p>
@@ -3328,7 +3329,7 @@
           <a:p>
             <a:fld id="{2238BBEA-E8DD-414A-BF68-FC2AFA7CFF2D}" type="datetime1">
               <a:rPr lang="ko-KR" altLang="en-US" smtClean="0"/>
-              <a:t>2022-05-20</a:t>
+              <a:t>2023-03-28</a:t>
             </a:fld>
             <a:endParaRPr lang="ko-KR" altLang="en-US"/>
           </a:p>
@@ -4896,11 +4897,7 @@
             </a:r>
             <a:r>
               <a:rPr lang="en-US" altLang="ko-KR" dirty="0" smtClean="0"/>
-              <a:t>- </a:t>
-            </a:r>
-            <a:r>
-              <a:rPr lang="en-US" altLang="ko-KR" dirty="0" smtClean="0"/>
-              <a:t>w3schools </a:t>
+              <a:t>- w3schools </a:t>
             </a:r>
             <a:r>
               <a:rPr lang="ko-KR" altLang="en-US" dirty="0" smtClean="0"/>
@@ -4920,19 +4917,7 @@
             </a:r>
             <a:r>
               <a:rPr lang="en-US" altLang="ko-KR" dirty="0" smtClean="0"/>
-              <a:t>  - </a:t>
-            </a:r>
-            <a:r>
-              <a:rPr lang="en-US" altLang="ko-KR" dirty="0" smtClean="0"/>
-              <a:t>JavaScript Reference </a:t>
-            </a:r>
-            <a:r>
-              <a:rPr lang="en-US" altLang="ko-KR" dirty="0" smtClean="0"/>
-              <a:t>&gt; </a:t>
-            </a:r>
-            <a:r>
-              <a:rPr lang="en-US" altLang="ko-KR" dirty="0" smtClean="0"/>
-              <a:t>Window Reference &gt; Window &gt;</a:t>
+              <a:t>  - JavaScript Reference &gt; Window Reference &gt; Window &gt;</a:t>
             </a:r>
           </a:p>
           <a:p>
@@ -4947,19 +4932,7 @@
             </a:r>
             <a:r>
               <a:rPr lang="en-US" altLang="ko-KR" dirty="0" smtClean="0"/>
-              <a:t>   </a:t>
-            </a:r>
-            <a:r>
-              <a:rPr lang="en-US" altLang="ko-KR" dirty="0" smtClean="0"/>
-              <a:t> </a:t>
-            </a:r>
-            <a:r>
-              <a:rPr lang="en-US" altLang="ko-KR" dirty="0" smtClean="0"/>
-              <a:t>Window </a:t>
-            </a:r>
-            <a:r>
-              <a:rPr lang="en-US" altLang="ko-KR" dirty="0" smtClean="0"/>
-              <a:t>Object Methods &gt; </a:t>
+              <a:t>    Window Object Methods &gt; </a:t>
             </a:r>
             <a:r>
               <a:rPr lang="en-US" altLang="ko-KR" b="1" dirty="0" smtClean="0">
@@ -5772,11 +5745,7 @@
             </a:pPr>
             <a:r>
               <a:rPr lang="en-US" altLang="ko-KR" dirty="0"/>
-              <a:t>     </a:t>
-            </a:r>
-            <a:r>
-              <a:rPr lang="en-US" altLang="ko-KR" dirty="0"/>
-              <a:t>Document Object Properties and </a:t>
+              <a:t>     Document Object Properties and </a:t>
             </a:r>
             <a:r>
               <a:rPr lang="en-US" altLang="ko-KR" dirty="0" smtClean="0"/>
@@ -7804,7 +7773,7 @@
           <p:cNvPr id="3" name="내용 개체 틀 2">
             <a:extLst>
               <a:ext uri="{FF2B5EF4-FFF2-40B4-BE49-F238E27FC236}">
-                <a16:creationId xmlns:a16="http://schemas.microsoft.com/office/drawing/2014/main" xmlns="" id="{98AF3A4E-7D90-4241-89FE-799D6F9D5A94}"/>
+                <a16:creationId xmlns:a16="http://schemas.microsoft.com/office/drawing/2014/main" id="{98AF3A4E-7D90-4241-89FE-799D6F9D5A94}"/>
               </a:ext>
             </a:extLst>
           </p:cNvPr>
@@ -9486,18 +9455,24 @@
                 <a:gridCol w="2184022">
                   <a:extLst>
                     <a:ext uri="{9D8B030D-6E8A-4147-A177-3AD203B41FA5}">
-                      <a16:colId xmlns:a16="http://schemas.microsoft.com/office/drawing/2014/main" xmlns="" val="20000"/>
+                      <a16:colId xmlns:a16="http://schemas.microsoft.com/office/drawing/2014/main" val="20000"/>
                     </a:ext>
                   </a:extLst>
                 </a:gridCol>
                 <a:gridCol w="1732156">
                   <a:extLst>
                     <a:ext uri="{9D8B030D-6E8A-4147-A177-3AD203B41FA5}">
-                      <a16:colId xmlns:a16="http://schemas.microsoft.com/office/drawing/2014/main" xmlns="" val="20001"/>
+                      <a16:colId xmlns:a16="http://schemas.microsoft.com/office/drawing/2014/main" val="20001"/>
                     </a:ext>
                   </a:extLst>
                 </a:gridCol>
-                <a:gridCol w="4292734"/>
+                <a:gridCol w="4292734">
+                  <a:extLst>
+                    <a:ext uri="{9D8B030D-6E8A-4147-A177-3AD203B41FA5}">
+                      <a16:colId xmlns:a16="http://schemas.microsoft.com/office/drawing/2014/main" val="20002"/>
+                    </a:ext>
+                  </a:extLst>
+                </a:gridCol>
               </a:tblGrid>
               <a:tr h="478624">
                 <a:tc>
@@ -9583,7 +9558,7 @@
                 </a:tc>
                 <a:extLst>
                   <a:ext uri="{0D108BD9-81ED-4DB2-BD59-A6C34878D82A}">
-                    <a16:rowId xmlns:a16="http://schemas.microsoft.com/office/drawing/2014/main" xmlns="" val="10000"/>
+                    <a16:rowId xmlns:a16="http://schemas.microsoft.com/office/drawing/2014/main" val="10000"/>
                   </a:ext>
                 </a:extLst>
               </a:tr>
@@ -9673,7 +9648,7 @@
                 </a:tc>
                 <a:extLst>
                   <a:ext uri="{0D108BD9-81ED-4DB2-BD59-A6C34878D82A}">
-                    <a16:rowId xmlns:a16="http://schemas.microsoft.com/office/drawing/2014/main" xmlns="" val="10001"/>
+                    <a16:rowId xmlns:a16="http://schemas.microsoft.com/office/drawing/2014/main" val="10001"/>
                   </a:ext>
                 </a:extLst>
               </a:tr>
@@ -9744,7 +9719,7 @@
                 </a:tc>
                 <a:extLst>
                   <a:ext uri="{0D108BD9-81ED-4DB2-BD59-A6C34878D82A}">
-                    <a16:rowId xmlns:a16="http://schemas.microsoft.com/office/drawing/2014/main" xmlns="" val="10002"/>
+                    <a16:rowId xmlns:a16="http://schemas.microsoft.com/office/drawing/2014/main" val="10002"/>
                   </a:ext>
                 </a:extLst>
               </a:tr>
@@ -9826,7 +9801,7 @@
                 </a:tc>
                 <a:extLst>
                   <a:ext uri="{0D108BD9-81ED-4DB2-BD59-A6C34878D82A}">
-                    <a16:rowId xmlns:a16="http://schemas.microsoft.com/office/drawing/2014/main" xmlns="" val="10003"/>
+                    <a16:rowId xmlns:a16="http://schemas.microsoft.com/office/drawing/2014/main" val="10003"/>
                   </a:ext>
                 </a:extLst>
               </a:tr>
@@ -9940,7 +9915,7 @@
                 </a:tc>
                 <a:extLst>
                   <a:ext uri="{0D108BD9-81ED-4DB2-BD59-A6C34878D82A}">
-                    <a16:rowId xmlns:a16="http://schemas.microsoft.com/office/drawing/2014/main" xmlns="" val="10004"/>
+                    <a16:rowId xmlns:a16="http://schemas.microsoft.com/office/drawing/2014/main" val="10004"/>
                   </a:ext>
                 </a:extLst>
               </a:tr>
@@ -10001,6 +9976,11 @@
                     </a:lnR>
                   </a:tcPr>
                 </a:tc>
+                <a:extLst>
+                  <a:ext uri="{0D108BD9-81ED-4DB2-BD59-A6C34878D82A}">
+                    <a16:rowId xmlns:a16="http://schemas.microsoft.com/office/drawing/2014/main" val="10005"/>
+                  </a:ext>
+                </a:extLst>
               </a:tr>
             </a:tbl>
           </a:graphicData>
@@ -11003,10 +10983,262 @@
       </p:grpSpPr>
       <p:sp>
         <p:nvSpPr>
+          <p:cNvPr id="2" name="제목 1"/>
+          <p:cNvSpPr>
+            <a:spLocks noGrp="1"/>
+          </p:cNvSpPr>
+          <p:nvPr>
+            <p:ph type="title"/>
+          </p:nvPr>
+        </p:nvSpPr>
+        <p:spPr>
+          <a:xfrm>
+            <a:off x="416497" y="197768"/>
+            <a:ext cx="6412780" cy="854968"/>
+          </a:xfrm>
+        </p:spPr>
+        <p:txBody>
+          <a:bodyPr>
+            <a:noAutofit/>
+          </a:bodyPr>
+          <a:lstStyle/>
+          <a:p>
+            <a:pPr algn="ctr"/>
+            <a:r>
+              <a:rPr lang="ko-KR" altLang="en-US" sz="2800" dirty="0" err="1" smtClean="0"/>
+              <a:t>자료형</a:t>
+            </a:r>
+            <a:r>
+              <a:rPr lang="en-US" altLang="ko-KR" sz="2800" dirty="0" smtClean="0"/>
+              <a:t>(type)</a:t>
+            </a:r>
+            <a:endParaRPr lang="ko-KR" altLang="en-US" sz="2800" dirty="0"/>
+          </a:p>
+        </p:txBody>
+      </p:sp>
+      <p:sp>
+        <p:nvSpPr>
+          <p:cNvPr id="4" name="슬라이드 번호 개체 틀 3"/>
+          <p:cNvSpPr>
+            <a:spLocks noGrp="1"/>
+          </p:cNvSpPr>
+          <p:nvPr>
+            <p:ph type="sldNum" sz="quarter" idx="12"/>
+          </p:nvPr>
+        </p:nvSpPr>
+        <p:spPr/>
+        <p:txBody>
+          <a:bodyPr/>
+          <a:lstStyle/>
+          <a:p>
+            <a:fld id="{1BDE3FE7-3AEA-4B05-AC5A-802D1816ACF0}" type="slidenum">
+              <a:rPr lang="ko-KR" altLang="en-US" smtClean="0"/>
+              <a:t>27</a:t>
+            </a:fld>
+            <a:endParaRPr lang="ko-KR" altLang="en-US"/>
+          </a:p>
+        </p:txBody>
+      </p:sp>
+      <p:sp>
+        <p:nvSpPr>
+          <p:cNvPr id="12" name="TextBox 11"/>
+          <p:cNvSpPr txBox="1"/>
+          <p:nvPr/>
+        </p:nvSpPr>
+        <p:spPr>
+          <a:xfrm>
+            <a:off x="992560" y="1268760"/>
+            <a:ext cx="7632848" cy="494494"/>
+          </a:xfrm>
+          <a:prstGeom prst="rect">
+            <a:avLst/>
+          </a:prstGeom>
+          <a:noFill/>
+        </p:spPr>
+        <p:txBody>
+          <a:bodyPr wrap="square" rtlCol="0">
+            <a:spAutoFit/>
+          </a:bodyPr>
+          <a:lstStyle/>
+          <a:p>
+            <a:pPr marL="342900" indent="-342900">
+              <a:lnSpc>
+                <a:spcPct val="150000"/>
+              </a:lnSpc>
+              <a:buFont typeface="Wingdings" panose="05000000000000000000" pitchFamily="2" charset="2"/>
+              <a:buChar char="§"/>
+            </a:pPr>
+            <a:r>
+              <a:rPr lang="ko-KR" altLang="en-US" sz="2000" b="1" dirty="0" err="1" smtClean="0"/>
+              <a:t>자료형</a:t>
+            </a:r>
+            <a:r>
+              <a:rPr lang="ko-KR" altLang="en-US" sz="2000" b="1" dirty="0" smtClean="0"/>
+              <a:t> 예제</a:t>
+            </a:r>
+            <a:r>
+              <a:rPr lang="en-US" altLang="ko-KR" sz="2000" b="1" dirty="0" smtClean="0"/>
+              <a:t> </a:t>
+            </a:r>
+            <a:endParaRPr lang="en-US" altLang="ko-KR" sz="2000" b="1" dirty="0" smtClean="0"/>
+          </a:p>
+        </p:txBody>
+      </p:sp>
+      <p:pic>
+        <p:nvPicPr>
+          <p:cNvPr id="3" name="그림 2"/>
+          <p:cNvPicPr>
+            <a:picLocks noChangeAspect="1"/>
+          </p:cNvPicPr>
+          <p:nvPr/>
+        </p:nvPicPr>
+        <p:blipFill>
+          <a:blip r:embed="rId2">
+            <a:extLst>
+              <a:ext uri="{28A0092B-C50C-407E-A947-70E740481C1C}">
+                <a14:useLocalDpi xmlns:a14="http://schemas.microsoft.com/office/drawing/2010/main" val="0"/>
+              </a:ext>
+            </a:extLst>
+          </a:blip>
+          <a:stretch>
+            <a:fillRect/>
+          </a:stretch>
+        </p:blipFill>
+        <p:spPr>
+          <a:xfrm>
+            <a:off x="1424608" y="1916832"/>
+            <a:ext cx="6073666" cy="4130398"/>
+          </a:xfrm>
+          <a:prstGeom prst="rect">
+            <a:avLst/>
+          </a:prstGeom>
+          <a:ln>
+            <a:solidFill>
+              <a:schemeClr val="bg1">
+                <a:lumMod val="85000"/>
+              </a:schemeClr>
+            </a:solidFill>
+          </a:ln>
+        </p:spPr>
+      </p:pic>
+      <p:sp>
+        <p:nvSpPr>
+          <p:cNvPr id="8" name="TextBox 7"/>
+          <p:cNvSpPr txBox="1"/>
+          <p:nvPr/>
+        </p:nvSpPr>
+        <p:spPr>
+          <a:xfrm>
+            <a:off x="6897216" y="2420888"/>
+            <a:ext cx="1584176" cy="369332"/>
+          </a:xfrm>
+          <a:prstGeom prst="rect">
+            <a:avLst/>
+          </a:prstGeom>
+          <a:noFill/>
+        </p:spPr>
+        <p:txBody>
+          <a:bodyPr wrap="square" rtlCol="0">
+            <a:spAutoFit/>
+          </a:bodyPr>
+          <a:lstStyle/>
+          <a:p>
+            <a:r>
+              <a:rPr lang="en-US" altLang="ko-KR" dirty="0" smtClean="0">
+                <a:solidFill>
+                  <a:srgbClr val="C00000"/>
+                </a:solidFill>
+              </a:rPr>
+              <a:t>type.html</a:t>
+            </a:r>
+            <a:endParaRPr lang="ko-KR" altLang="en-US" dirty="0">
+              <a:solidFill>
+                <a:srgbClr val="C00000"/>
+              </a:solidFill>
+            </a:endParaRPr>
+          </a:p>
+        </p:txBody>
+      </p:sp>
+      <p:pic>
+        <p:nvPicPr>
+          <p:cNvPr id="5" name="그림 4"/>
+          <p:cNvPicPr>
+            <a:picLocks noChangeAspect="1"/>
+          </p:cNvPicPr>
+          <p:nvPr/>
+        </p:nvPicPr>
+        <p:blipFill>
+          <a:blip r:embed="rId3">
+            <a:extLst>
+              <a:ext uri="{28A0092B-C50C-407E-A947-70E740481C1C}">
+                <a14:useLocalDpi xmlns:a14="http://schemas.microsoft.com/office/drawing/2010/main" val="0"/>
+              </a:ext>
+            </a:extLst>
+          </a:blip>
+          <a:stretch>
+            <a:fillRect/>
+          </a:stretch>
+        </p:blipFill>
+        <p:spPr>
+          <a:xfrm>
+            <a:off x="7067363" y="3068960"/>
+            <a:ext cx="2309060" cy="2217612"/>
+          </a:xfrm>
+          <a:prstGeom prst="rect">
+            <a:avLst/>
+          </a:prstGeom>
+          <a:ln>
+            <a:solidFill>
+              <a:schemeClr val="bg1">
+                <a:lumMod val="85000"/>
+              </a:schemeClr>
+            </a:solidFill>
+          </a:ln>
+        </p:spPr>
+      </p:pic>
+    </p:spTree>
+    <p:extLst>
+      <p:ext uri="{BB962C8B-B14F-4D97-AF65-F5344CB8AC3E}">
+        <p14:creationId xmlns:p14="http://schemas.microsoft.com/office/powerpoint/2010/main" val="1194873541"/>
+      </p:ext>
+    </p:extLst>
+  </p:cSld>
+  <p:clrMapOvr>
+    <a:masterClrMapping/>
+  </p:clrMapOvr>
+  <p:timing>
+    <p:tnLst>
+      <p:par>
+        <p:cTn id="1" dur="indefinite" restart="never" nodeType="tmRoot"/>
+      </p:par>
+    </p:tnLst>
+  </p:timing>
+</p:sld>
+</file>
+
+<file path=ppt/slides/slide28.xml><?xml version="1.0" encoding="utf-8"?>
+<p:sld xmlns:a="http://schemas.openxmlformats.org/drawingml/2006/main" xmlns:r="http://schemas.openxmlformats.org/officeDocument/2006/relationships" xmlns:p="http://schemas.openxmlformats.org/presentationml/2006/main">
+  <p:cSld>
+    <p:spTree>
+      <p:nvGrpSpPr>
+        <p:cNvPr id="1" name=""/>
+        <p:cNvGrpSpPr/>
+        <p:nvPr/>
+      </p:nvGrpSpPr>
+      <p:grpSpPr>
+        <a:xfrm>
+          <a:off x="0" y="0"/>
+          <a:ext cx="0" cy="0"/>
+          <a:chOff x="0" y="0"/>
+          <a:chExt cx="0" cy="0"/>
+        </a:xfrm>
+      </p:grpSpPr>
+      <p:sp>
+        <p:nvSpPr>
           <p:cNvPr id="3" name="내용 개체 틀 2">
             <a:extLst>
               <a:ext uri="{FF2B5EF4-FFF2-40B4-BE49-F238E27FC236}">
-                <a16:creationId xmlns="" xmlns:a16="http://schemas.microsoft.com/office/drawing/2014/main" id="{98AF3A4E-7D90-4241-89FE-799D6F9D5A94}"/>
+                <a16:creationId xmlns:a16="http://schemas.microsoft.com/office/drawing/2014/main" id="{98AF3A4E-7D90-4241-89FE-799D6F9D5A94}"/>
               </a:ext>
             </a:extLst>
           </p:cNvPr>
@@ -11310,7 +11542,7 @@
           <a:p>
             <a:fld id="{1BDE3FE7-3AEA-4B05-AC5A-802D1816ACF0}" type="slidenum">
               <a:rPr lang="ko-KR" altLang="en-US" smtClean="0"/>
-              <a:t>27</a:t>
+              <a:t>28</a:t>
             </a:fld>
             <a:endParaRPr lang="ko-KR" altLang="en-US"/>
           </a:p>
@@ -11321,7 +11553,7 @@
           <p:cNvPr id="8" name="내용 개체 틀 2">
             <a:extLst>
               <a:ext uri="{FF2B5EF4-FFF2-40B4-BE49-F238E27FC236}">
-                <a16:creationId xmlns="" xmlns:a16="http://schemas.microsoft.com/office/drawing/2014/main" id="{98AF3A4E-7D90-4241-89FE-799D6F9D5A94}"/>
+                <a16:creationId xmlns:a16="http://schemas.microsoft.com/office/drawing/2014/main" id="{98AF3A4E-7D90-4241-89FE-799D6F9D5A94}"/>
               </a:ext>
             </a:extLst>
           </p:cNvPr>
@@ -11590,9 +11822,27 @@
                     <a:tableStyleId>{5940675A-B579-460E-94D1-54222C63F5DA}</a:tableStyleId>
                   </a:tblPr>
                   <a:tblGrid>
-                    <a:gridCol w="898344"/>
-                    <a:gridCol w="5006312"/>
-                    <a:gridCol w="1080120"/>
+                    <a:gridCol w="898344">
+                      <a:extLst>
+                        <a:ext uri="{9D8B030D-6E8A-4147-A177-3AD203B41FA5}">
+                          <a16:colId xmlns:a16="http://schemas.microsoft.com/office/drawing/2014/main" val="20000"/>
+                        </a:ext>
+                      </a:extLst>
+                    </a:gridCol>
+                    <a:gridCol w="5006312">
+                      <a:extLst>
+                        <a:ext uri="{9D8B030D-6E8A-4147-A177-3AD203B41FA5}">
+                          <a16:colId xmlns:a16="http://schemas.microsoft.com/office/drawing/2014/main" val="20001"/>
+                        </a:ext>
+                      </a:extLst>
+                    </a:gridCol>
+                    <a:gridCol w="1080120">
+                      <a:extLst>
+                        <a:ext uri="{9D8B030D-6E8A-4147-A177-3AD203B41FA5}">
+                          <a16:colId xmlns:a16="http://schemas.microsoft.com/office/drawing/2014/main" val="20002"/>
+                        </a:ext>
+                      </a:extLst>
+                    </a:gridCol>
                   </a:tblGrid>
                   <a:tr h="437768">
                     <a:tc>
@@ -11660,6 +11910,11 @@
                         </a:solidFill>
                       </a:tcPr>
                     </a:tc>
+                    <a:extLst>
+                      <a:ext uri="{0D108BD9-81ED-4DB2-BD59-A6C34878D82A}">
+                        <a16:rowId xmlns:a16="http://schemas.microsoft.com/office/drawing/2014/main" val="10000"/>
+                      </a:ext>
+                    </a:extLst>
                   </a:tr>
                   <a:tr h="437768">
                     <a:tc>
@@ -11712,7 +11967,7 @@
                                   <m:sSupPr>
                                     <m:ctrlPr>
                                       <a:rPr lang="en-US" altLang="ko-KR" sz="1800" i="1" smtClean="0">
-                                        <a:latin typeface="Cambria Math"/>
+                                        <a:latin typeface="Cambria Math" panose="02040503050406030204" pitchFamily="18" charset="0"/>
                                       </a:rPr>
                                     </m:ctrlPr>
                                   </m:sSupPr>
@@ -11741,6 +11996,11 @@
                       </a:txBody>
                       <a:tcPr/>
                     </a:tc>
+                    <a:extLst>
+                      <a:ext uri="{0D108BD9-81ED-4DB2-BD59-A6C34878D82A}">
+                        <a16:rowId xmlns:a16="http://schemas.microsoft.com/office/drawing/2014/main" val="10001"/>
+                      </a:ext>
+                    </a:extLst>
                   </a:tr>
                   <a:tr h="437768">
                     <a:tc>
@@ -11793,7 +12053,7 @@
                                   <m:sSupPr>
                                     <m:ctrlPr>
                                       <a:rPr lang="en-US" altLang="ko-KR" sz="1800" i="1" smtClean="0">
-                                        <a:latin typeface="Cambria Math"/>
+                                        <a:latin typeface="Cambria Math" panose="02040503050406030204" pitchFamily="18" charset="0"/>
                                       </a:rPr>
                                     </m:ctrlPr>
                                   </m:sSupPr>
@@ -11822,6 +12082,11 @@
                       </a:txBody>
                       <a:tcPr/>
                     </a:tc>
+                    <a:extLst>
+                      <a:ext uri="{0D108BD9-81ED-4DB2-BD59-A6C34878D82A}">
+                        <a16:rowId xmlns:a16="http://schemas.microsoft.com/office/drawing/2014/main" val="10002"/>
+                      </a:ext>
+                    </a:extLst>
                   </a:tr>
                   <a:tr h="437768">
                     <a:tc>
@@ -11874,7 +12139,7 @@
                                   <m:sSupPr>
                                     <m:ctrlPr>
                                       <a:rPr lang="en-US" altLang="ko-KR" sz="1800" i="1" smtClean="0">
-                                        <a:latin typeface="Cambria Math"/>
+                                        <a:latin typeface="Cambria Math" panose="02040503050406030204" pitchFamily="18" charset="0"/>
                                       </a:rPr>
                                     </m:ctrlPr>
                                   </m:sSupPr>
@@ -11903,6 +12168,11 @@
                       </a:txBody>
                       <a:tcPr/>
                     </a:tc>
+                    <a:extLst>
+                      <a:ext uri="{0D108BD9-81ED-4DB2-BD59-A6C34878D82A}">
+                        <a16:rowId xmlns:a16="http://schemas.microsoft.com/office/drawing/2014/main" val="10003"/>
+                      </a:ext>
+                    </a:extLst>
                   </a:tr>
                 </a:tbl>
               </a:graphicData>
@@ -12176,7 +12446,7 @@
           <p:cNvPr id="7" name="내용 개체 틀 2">
             <a:extLst>
               <a:ext uri="{FF2B5EF4-FFF2-40B4-BE49-F238E27FC236}">
-                <a16:creationId xmlns="" xmlns:a16="http://schemas.microsoft.com/office/drawing/2014/main" id="{98AF3A4E-7D90-4241-89FE-799D6F9D5A94}"/>
+                <a16:creationId xmlns:a16="http://schemas.microsoft.com/office/drawing/2014/main" id="{98AF3A4E-7D90-4241-89FE-799D6F9D5A94}"/>
               </a:ext>
             </a:extLst>
           </p:cNvPr>
@@ -12413,7 +12683,7 @@
 </p:sld>
 </file>
 
-<file path=ppt/slides/slide28.xml><?xml version="1.0" encoding="utf-8"?>
+<file path=ppt/slides/slide29.xml><?xml version="1.0" encoding="utf-8"?>
 <p:sld xmlns:a="http://schemas.openxmlformats.org/drawingml/2006/main" xmlns:r="http://schemas.openxmlformats.org/officeDocument/2006/relationships" xmlns:p="http://schemas.openxmlformats.org/presentationml/2006/main">
   <p:cSld>
     <p:spTree>
@@ -12435,7 +12705,7 @@
           <p:cNvPr id="3" name="내용 개체 틀 2">
             <a:extLst>
               <a:ext uri="{FF2B5EF4-FFF2-40B4-BE49-F238E27FC236}">
-                <a16:creationId xmlns="" xmlns:a16="http://schemas.microsoft.com/office/drawing/2014/main" id="{98AF3A4E-7D90-4241-89FE-799D6F9D5A94}"/>
+                <a16:creationId xmlns:a16="http://schemas.microsoft.com/office/drawing/2014/main" id="{98AF3A4E-7D90-4241-89FE-799D6F9D5A94}"/>
               </a:ext>
             </a:extLst>
           </p:cNvPr>
@@ -12709,7 +12979,7 @@
           <a:p>
             <a:fld id="{1BDE3FE7-3AEA-4B05-AC5A-802D1816ACF0}" type="slidenum">
               <a:rPr lang="ko-KR" altLang="en-US" smtClean="0"/>
-              <a:t>28</a:t>
+              <a:t>29</a:t>
             </a:fld>
             <a:endParaRPr lang="ko-KR" altLang="en-US"/>
           </a:p>
@@ -12740,12 +13010,48 @@
                 <a:tableStyleId>{5940675A-B579-460E-94D1-54222C63F5DA}</a:tableStyleId>
               </a:tblPr>
               <a:tblGrid>
-                <a:gridCol w="1332148"/>
-                <a:gridCol w="1332148"/>
-                <a:gridCol w="1332148"/>
-                <a:gridCol w="1332148"/>
-                <a:gridCol w="1332148"/>
-                <a:gridCol w="1332148"/>
+                <a:gridCol w="1332148">
+                  <a:extLst>
+                    <a:ext uri="{9D8B030D-6E8A-4147-A177-3AD203B41FA5}">
+                      <a16:colId xmlns:a16="http://schemas.microsoft.com/office/drawing/2014/main" val="20000"/>
+                    </a:ext>
+                  </a:extLst>
+                </a:gridCol>
+                <a:gridCol w="1332148">
+                  <a:extLst>
+                    <a:ext uri="{9D8B030D-6E8A-4147-A177-3AD203B41FA5}">
+                      <a16:colId xmlns:a16="http://schemas.microsoft.com/office/drawing/2014/main" val="20001"/>
+                    </a:ext>
+                  </a:extLst>
+                </a:gridCol>
+                <a:gridCol w="1332148">
+                  <a:extLst>
+                    <a:ext uri="{9D8B030D-6E8A-4147-A177-3AD203B41FA5}">
+                      <a16:colId xmlns:a16="http://schemas.microsoft.com/office/drawing/2014/main" val="20002"/>
+                    </a:ext>
+                  </a:extLst>
+                </a:gridCol>
+                <a:gridCol w="1332148">
+                  <a:extLst>
+                    <a:ext uri="{9D8B030D-6E8A-4147-A177-3AD203B41FA5}">
+                      <a16:colId xmlns:a16="http://schemas.microsoft.com/office/drawing/2014/main" val="20003"/>
+                    </a:ext>
+                  </a:extLst>
+                </a:gridCol>
+                <a:gridCol w="1332148">
+                  <a:extLst>
+                    <a:ext uri="{9D8B030D-6E8A-4147-A177-3AD203B41FA5}">
+                      <a16:colId xmlns:a16="http://schemas.microsoft.com/office/drawing/2014/main" val="20004"/>
+                    </a:ext>
+                  </a:extLst>
+                </a:gridCol>
+                <a:gridCol w="1332148">
+                  <a:extLst>
+                    <a:ext uri="{9D8B030D-6E8A-4147-A177-3AD203B41FA5}">
+                      <a16:colId xmlns:a16="http://schemas.microsoft.com/office/drawing/2014/main" val="20005"/>
+                    </a:ext>
+                  </a:extLst>
+                </a:gridCol>
               </a:tblGrid>
               <a:tr h="456619">
                 <a:tc>
@@ -12886,6 +13192,11 @@
                     </a:solidFill>
                   </a:tcPr>
                 </a:tc>
+                <a:extLst>
+                  <a:ext uri="{0D108BD9-81ED-4DB2-BD59-A6C34878D82A}">
+                    <a16:rowId xmlns:a16="http://schemas.microsoft.com/office/drawing/2014/main" val="10000"/>
+                  </a:ext>
+                </a:extLst>
               </a:tr>
               <a:tr h="456619">
                 <a:tc>
@@ -12994,6 +13305,11 @@
                   </a:txBody>
                   <a:tcPr anchor="ctr"/>
                 </a:tc>
+                <a:extLst>
+                  <a:ext uri="{0D108BD9-81ED-4DB2-BD59-A6C34878D82A}">
+                    <a16:rowId xmlns:a16="http://schemas.microsoft.com/office/drawing/2014/main" val="10001"/>
+                  </a:ext>
+                </a:extLst>
               </a:tr>
               <a:tr h="456619">
                 <a:tc>
@@ -13102,6 +13418,11 @@
                   </a:txBody>
                   <a:tcPr anchor="ctr"/>
                 </a:tc>
+                <a:extLst>
+                  <a:ext uri="{0D108BD9-81ED-4DB2-BD59-A6C34878D82A}">
+                    <a16:rowId xmlns:a16="http://schemas.microsoft.com/office/drawing/2014/main" val="10002"/>
+                  </a:ext>
+                </a:extLst>
               </a:tr>
               <a:tr h="456619">
                 <a:tc>
@@ -13210,6 +13531,11 @@
                   </a:txBody>
                   <a:tcPr anchor="ctr"/>
                 </a:tc>
+                <a:extLst>
+                  <a:ext uri="{0D108BD9-81ED-4DB2-BD59-A6C34878D82A}">
+                    <a16:rowId xmlns:a16="http://schemas.microsoft.com/office/drawing/2014/main" val="10003"/>
+                  </a:ext>
+                </a:extLst>
               </a:tr>
               <a:tr h="456619">
                 <a:tc>
@@ -13318,6 +13644,11 @@
                   </a:txBody>
                   <a:tcPr anchor="ctr"/>
                 </a:tc>
+                <a:extLst>
+                  <a:ext uri="{0D108BD9-81ED-4DB2-BD59-A6C34878D82A}">
+                    <a16:rowId xmlns:a16="http://schemas.microsoft.com/office/drawing/2014/main" val="10004"/>
+                  </a:ext>
+                </a:extLst>
               </a:tr>
               <a:tr h="456619">
                 <a:tc>
@@ -13426,6 +13757,11 @@
                   </a:txBody>
                   <a:tcPr anchor="ctr"/>
                 </a:tc>
+                <a:extLst>
+                  <a:ext uri="{0D108BD9-81ED-4DB2-BD59-A6C34878D82A}">
+                    <a16:rowId xmlns:a16="http://schemas.microsoft.com/office/drawing/2014/main" val="10005"/>
+                  </a:ext>
+                </a:extLst>
               </a:tr>
               <a:tr h="456619">
                 <a:tc>
@@ -13534,6 +13870,11 @@
                   </a:txBody>
                   <a:tcPr anchor="ctr"/>
                 </a:tc>
+                <a:extLst>
+                  <a:ext uri="{0D108BD9-81ED-4DB2-BD59-A6C34878D82A}">
+                    <a16:rowId xmlns:a16="http://schemas.microsoft.com/office/drawing/2014/main" val="10006"/>
+                  </a:ext>
+                </a:extLst>
               </a:tr>
               <a:tr h="456619">
                 <a:tc>
@@ -13642,6 +13983,11 @@
                   </a:txBody>
                   <a:tcPr anchor="ctr"/>
                 </a:tc>
+                <a:extLst>
+                  <a:ext uri="{0D108BD9-81ED-4DB2-BD59-A6C34878D82A}">
+                    <a16:rowId xmlns:a16="http://schemas.microsoft.com/office/drawing/2014/main" val="10007"/>
+                  </a:ext>
+                </a:extLst>
               </a:tr>
               <a:tr h="456619">
                 <a:tc>
@@ -13750,6 +14096,11 @@
                   </a:txBody>
                   <a:tcPr anchor="ctr"/>
                 </a:tc>
+                <a:extLst>
+                  <a:ext uri="{0D108BD9-81ED-4DB2-BD59-A6C34878D82A}">
+                    <a16:rowId xmlns:a16="http://schemas.microsoft.com/office/drawing/2014/main" val="10008"/>
+                  </a:ext>
+                </a:extLst>
               </a:tr>
             </a:tbl>
           </a:graphicData>
@@ -13829,7 +14180,7 @@
 </p:sld>
 </file>
 
-<file path=ppt/slides/slide29.xml><?xml version="1.0" encoding="utf-8"?>
+<file path=ppt/slides/slide3.xml><?xml version="1.0" encoding="utf-8"?>
 <p:sld xmlns:a="http://schemas.openxmlformats.org/drawingml/2006/main" xmlns:r="http://schemas.openxmlformats.org/officeDocument/2006/relationships" xmlns:p="http://schemas.openxmlformats.org/presentationml/2006/main">
   <p:cSld>
     <p:spTree>
@@ -13856,20 +14207,28 @@
             <p:ph type="title"/>
           </p:nvPr>
         </p:nvSpPr>
-        <p:spPr/>
-        <p:txBody>
-          <a:bodyPr/>
+        <p:spPr>
+          <a:xfrm>
+            <a:off x="416497" y="197768"/>
+            <a:ext cx="6412780" cy="854968"/>
+          </a:xfrm>
+        </p:spPr>
+        <p:txBody>
+          <a:bodyPr>
+            <a:noAutofit/>
+          </a:bodyPr>
           <a:lstStyle/>
           <a:p>
-            <a:r>
-              <a:rPr lang="en-US" altLang="ko-KR" dirty="0" smtClean="0"/>
+            <a:pPr algn="ctr"/>
+            <a:r>
+              <a:rPr lang="en-US" altLang="ko-KR" sz="2800" dirty="0" smtClean="0"/>
               <a:t> </a:t>
             </a:r>
             <a:r>
-              <a:rPr lang="ko-KR" altLang="en-US" dirty="0" smtClean="0"/>
-              <a:t>컴퓨터에서 데이터 표현하기</a:t>
-            </a:r>
-            <a:endParaRPr lang="ko-KR" altLang="en-US" dirty="0"/>
+              <a:rPr lang="ko-KR" altLang="en-US" sz="2800" dirty="0" smtClean="0"/>
+              <a:t>클라이언트와 서버</a:t>
+            </a:r>
+            <a:endParaRPr lang="ko-KR" altLang="en-US" sz="2800" dirty="0"/>
           </a:p>
         </p:txBody>
       </p:sp>
@@ -13890,7 +14249,970 @@
           <a:p>
             <a:fld id="{1BDE3FE7-3AEA-4B05-AC5A-802D1816ACF0}" type="slidenum">
               <a:rPr lang="ko-KR" altLang="en-US" smtClean="0"/>
-              <a:t>29</a:t>
+              <a:t>3</a:t>
+            </a:fld>
+            <a:endParaRPr lang="ko-KR" altLang="en-US"/>
+          </a:p>
+        </p:txBody>
+      </p:sp>
+      <p:pic>
+        <p:nvPicPr>
+          <p:cNvPr id="6" name="그림 5"/>
+          <p:cNvPicPr>
+            <a:picLocks noChangeAspect="1"/>
+          </p:cNvPicPr>
+          <p:nvPr/>
+        </p:nvPicPr>
+        <p:blipFill>
+          <a:blip r:embed="rId2" cstate="print">
+            <a:extLst>
+              <a:ext uri="{28A0092B-C50C-407E-A947-70E740481C1C}">
+                <a14:useLocalDpi xmlns:a14="http://schemas.microsoft.com/office/drawing/2010/main" val="0"/>
+              </a:ext>
+            </a:extLst>
+          </a:blip>
+          <a:stretch>
+            <a:fillRect/>
+          </a:stretch>
+        </p:blipFill>
+        <p:spPr>
+          <a:xfrm>
+            <a:off x="6194123" y="1776400"/>
+            <a:ext cx="834380" cy="1216408"/>
+          </a:xfrm>
+          <a:prstGeom prst="rect">
+            <a:avLst/>
+          </a:prstGeom>
+        </p:spPr>
+      </p:pic>
+      <p:pic>
+        <p:nvPicPr>
+          <p:cNvPr id="7" name="그림 6"/>
+          <p:cNvPicPr>
+            <a:picLocks noChangeAspect="1"/>
+          </p:cNvPicPr>
+          <p:nvPr/>
+        </p:nvPicPr>
+        <p:blipFill>
+          <a:blip r:embed="rId3" cstate="print">
+            <a:extLst>
+              <a:ext uri="{28A0092B-C50C-407E-A947-70E740481C1C}">
+                <a14:useLocalDpi xmlns:a14="http://schemas.microsoft.com/office/drawing/2010/main" val="0"/>
+              </a:ext>
+            </a:extLst>
+          </a:blip>
+          <a:stretch>
+            <a:fillRect/>
+          </a:stretch>
+        </p:blipFill>
+        <p:spPr>
+          <a:xfrm>
+            <a:off x="6869661" y="2140717"/>
+            <a:ext cx="784895" cy="1144267"/>
+          </a:xfrm>
+          <a:prstGeom prst="rect">
+            <a:avLst/>
+          </a:prstGeom>
+        </p:spPr>
+      </p:pic>
+      <p:pic>
+        <p:nvPicPr>
+          <p:cNvPr id="8" name="그림 7"/>
+          <p:cNvPicPr>
+            <a:picLocks noChangeAspect="1"/>
+          </p:cNvPicPr>
+          <p:nvPr/>
+        </p:nvPicPr>
+        <p:blipFill>
+          <a:blip r:embed="rId4" cstate="print">
+            <a:extLst>
+              <a:ext uri="{28A0092B-C50C-407E-A947-70E740481C1C}">
+                <a14:useLocalDpi xmlns:a14="http://schemas.microsoft.com/office/drawing/2010/main" val="0"/>
+              </a:ext>
+            </a:extLst>
+          </a:blip>
+          <a:stretch>
+            <a:fillRect/>
+          </a:stretch>
+        </p:blipFill>
+        <p:spPr>
+          <a:xfrm>
+            <a:off x="1424608" y="1705376"/>
+            <a:ext cx="1910247" cy="1795632"/>
+          </a:xfrm>
+          <a:prstGeom prst="rect">
+            <a:avLst/>
+          </a:prstGeom>
+        </p:spPr>
+      </p:pic>
+      <p:sp>
+        <p:nvSpPr>
+          <p:cNvPr id="9" name="TextBox 8"/>
+          <p:cNvSpPr txBox="1"/>
+          <p:nvPr/>
+        </p:nvSpPr>
+        <p:spPr>
+          <a:xfrm>
+            <a:off x="5961112" y="3658282"/>
+            <a:ext cx="2321242" cy="369332"/>
+          </a:xfrm>
+          <a:prstGeom prst="rect">
+            <a:avLst/>
+          </a:prstGeom>
+          <a:noFill/>
+        </p:spPr>
+        <p:txBody>
+          <a:bodyPr wrap="square" rtlCol="0">
+            <a:spAutoFit/>
+          </a:bodyPr>
+          <a:lstStyle/>
+          <a:p>
+            <a:r>
+              <a:rPr lang="ko-KR" altLang="en-US" dirty="0" smtClean="0"/>
+              <a:t>서버</a:t>
+            </a:r>
+            <a:r>
+              <a:rPr lang="en-US" altLang="ko-KR" dirty="0" smtClean="0"/>
+              <a:t>(Server)</a:t>
+            </a:r>
+            <a:r>
+              <a:rPr lang="ko-KR" altLang="en-US" dirty="0" smtClean="0"/>
+              <a:t>측 언어</a:t>
+            </a:r>
+            <a:endParaRPr lang="ko-KR" altLang="en-US" dirty="0"/>
+          </a:p>
+        </p:txBody>
+      </p:sp>
+      <p:sp>
+        <p:nvSpPr>
+          <p:cNvPr id="10" name="TextBox 9"/>
+          <p:cNvSpPr txBox="1"/>
+          <p:nvPr/>
+        </p:nvSpPr>
+        <p:spPr>
+          <a:xfrm>
+            <a:off x="1496616" y="3658282"/>
+            <a:ext cx="2952328" cy="369332"/>
+          </a:xfrm>
+          <a:prstGeom prst="rect">
+            <a:avLst/>
+          </a:prstGeom>
+          <a:noFill/>
+        </p:spPr>
+        <p:txBody>
+          <a:bodyPr wrap="square" rtlCol="0">
+            <a:spAutoFit/>
+          </a:bodyPr>
+          <a:lstStyle/>
+          <a:p>
+            <a:r>
+              <a:rPr lang="ko-KR" altLang="en-US" dirty="0" smtClean="0"/>
+              <a:t>클라이언트</a:t>
+            </a:r>
+            <a:r>
+              <a:rPr lang="en-US" altLang="ko-KR" dirty="0" smtClean="0"/>
+              <a:t>(Client)</a:t>
+            </a:r>
+            <a:r>
+              <a:rPr lang="ko-KR" altLang="en-US" dirty="0" smtClean="0"/>
+              <a:t>측 언어</a:t>
+            </a:r>
+            <a:endParaRPr lang="ko-KR" altLang="en-US" dirty="0"/>
+          </a:p>
+        </p:txBody>
+      </p:sp>
+      <p:sp>
+        <p:nvSpPr>
+          <p:cNvPr id="11" name="TextBox 10"/>
+          <p:cNvSpPr txBox="1"/>
+          <p:nvPr/>
+        </p:nvSpPr>
+        <p:spPr>
+          <a:xfrm>
+            <a:off x="3334855" y="1607621"/>
+            <a:ext cx="2482241" cy="584775"/>
+          </a:xfrm>
+          <a:prstGeom prst="rect">
+            <a:avLst/>
+          </a:prstGeom>
+          <a:noFill/>
+        </p:spPr>
+        <p:txBody>
+          <a:bodyPr wrap="square" rtlCol="0">
+            <a:spAutoFit/>
+          </a:bodyPr>
+          <a:lstStyle/>
+          <a:p>
+            <a:pPr algn="ctr"/>
+            <a:r>
+              <a:rPr lang="ko-KR" altLang="en-US" sz="1600" dirty="0" err="1" smtClean="0"/>
+              <a:t>웹브라우저를</a:t>
+            </a:r>
+            <a:r>
+              <a:rPr lang="ko-KR" altLang="en-US" sz="1600" dirty="0" smtClean="0"/>
+              <a:t> 통해 필요한 정보를 요청</a:t>
+            </a:r>
+            <a:endParaRPr lang="ko-KR" altLang="en-US" sz="1600" dirty="0"/>
+          </a:p>
+        </p:txBody>
+      </p:sp>
+      <p:sp>
+        <p:nvSpPr>
+          <p:cNvPr id="12" name="TextBox 11"/>
+          <p:cNvSpPr txBox="1"/>
+          <p:nvPr/>
+        </p:nvSpPr>
+        <p:spPr>
+          <a:xfrm>
+            <a:off x="3473560" y="2902366"/>
+            <a:ext cx="2482241" cy="584775"/>
+          </a:xfrm>
+          <a:prstGeom prst="rect">
+            <a:avLst/>
+          </a:prstGeom>
+          <a:noFill/>
+        </p:spPr>
+        <p:txBody>
+          <a:bodyPr wrap="square" rtlCol="0">
+            <a:spAutoFit/>
+          </a:bodyPr>
+          <a:lstStyle/>
+          <a:p>
+            <a:pPr algn="ctr"/>
+            <a:r>
+              <a:rPr lang="ko-KR" altLang="en-US" sz="1600" dirty="0" smtClean="0"/>
+              <a:t>요청을 처리해 알맞은 </a:t>
+            </a:r>
+            <a:endParaRPr lang="en-US" altLang="ko-KR" sz="1600" dirty="0" smtClean="0"/>
+          </a:p>
+          <a:p>
+            <a:pPr algn="ctr"/>
+            <a:r>
+              <a:rPr lang="ko-KR" altLang="en-US" sz="1600" dirty="0" smtClean="0"/>
+              <a:t>정보를 전달</a:t>
+            </a:r>
+            <a:endParaRPr lang="ko-KR" altLang="en-US" sz="1600" dirty="0"/>
+          </a:p>
+        </p:txBody>
+      </p:sp>
+      <p:cxnSp>
+        <p:nvCxnSpPr>
+          <p:cNvPr id="14" name="직선 화살표 연결선 13"/>
+          <p:cNvCxnSpPr/>
+          <p:nvPr/>
+        </p:nvCxnSpPr>
+        <p:spPr>
+          <a:xfrm>
+            <a:off x="3440832" y="2325960"/>
+            <a:ext cx="2376264" cy="0"/>
+          </a:xfrm>
+          <a:prstGeom prst="straightConnector1">
+            <a:avLst/>
+          </a:prstGeom>
+          <a:ln w="28575">
+            <a:tailEnd type="triangle"/>
+          </a:ln>
+        </p:spPr>
+        <p:style>
+          <a:lnRef idx="1">
+            <a:schemeClr val="accent1"/>
+          </a:lnRef>
+          <a:fillRef idx="0">
+            <a:schemeClr val="accent1"/>
+          </a:fillRef>
+          <a:effectRef idx="0">
+            <a:schemeClr val="accent1"/>
+          </a:effectRef>
+          <a:fontRef idx="minor">
+            <a:schemeClr val="tx1"/>
+          </a:fontRef>
+        </p:style>
+      </p:cxnSp>
+      <p:cxnSp>
+        <p:nvCxnSpPr>
+          <p:cNvPr id="15" name="직선 화살표 연결선 14"/>
+          <p:cNvCxnSpPr/>
+          <p:nvPr/>
+        </p:nvCxnSpPr>
+        <p:spPr>
+          <a:xfrm>
+            <a:off x="3440832" y="2715751"/>
+            <a:ext cx="2376264" cy="0"/>
+          </a:xfrm>
+          <a:prstGeom prst="straightConnector1">
+            <a:avLst/>
+          </a:prstGeom>
+          <a:ln w="28575">
+            <a:headEnd type="triangle" w="med" len="med"/>
+            <a:tailEnd type="none" w="med" len="med"/>
+          </a:ln>
+        </p:spPr>
+        <p:style>
+          <a:lnRef idx="1">
+            <a:schemeClr val="accent1"/>
+          </a:lnRef>
+          <a:fillRef idx="0">
+            <a:schemeClr val="accent1"/>
+          </a:fillRef>
+          <a:effectRef idx="0">
+            <a:schemeClr val="accent1"/>
+          </a:effectRef>
+          <a:fontRef idx="minor">
+            <a:schemeClr val="tx1"/>
+          </a:fontRef>
+        </p:style>
+      </p:cxnSp>
+      <p:sp>
+        <p:nvSpPr>
+          <p:cNvPr id="16" name="모서리가 둥근 직사각형 15"/>
+          <p:cNvSpPr/>
+          <p:nvPr/>
+        </p:nvSpPr>
+        <p:spPr>
+          <a:xfrm>
+            <a:off x="1996602" y="4230298"/>
+            <a:ext cx="1660254" cy="504056"/>
+          </a:xfrm>
+          <a:prstGeom prst="roundRect">
+            <a:avLst/>
+          </a:prstGeom>
+          <a:solidFill>
+            <a:schemeClr val="accent5">
+              <a:lumMod val="20000"/>
+              <a:lumOff val="80000"/>
+            </a:schemeClr>
+          </a:solidFill>
+          <a:ln w="12700"/>
+        </p:spPr>
+        <p:style>
+          <a:lnRef idx="2">
+            <a:schemeClr val="accent1">
+              <a:shade val="50000"/>
+            </a:schemeClr>
+          </a:lnRef>
+          <a:fillRef idx="1">
+            <a:schemeClr val="accent1"/>
+          </a:fillRef>
+          <a:effectRef idx="0">
+            <a:schemeClr val="accent1"/>
+          </a:effectRef>
+          <a:fontRef idx="minor">
+            <a:schemeClr val="lt1"/>
+          </a:fontRef>
+        </p:style>
+        <p:txBody>
+          <a:bodyPr rtlCol="0" anchor="ctr"/>
+          <a:lstStyle/>
+          <a:p>
+            <a:pPr algn="ctr"/>
+            <a:r>
+              <a:rPr lang="en-US" altLang="ko-KR" dirty="0" smtClean="0">
+                <a:solidFill>
+                  <a:sysClr val="windowText" lastClr="000000"/>
+                </a:solidFill>
+              </a:rPr>
+              <a:t>HTML</a:t>
+            </a:r>
+            <a:endParaRPr lang="ko-KR" altLang="en-US" dirty="0">
+              <a:solidFill>
+                <a:sysClr val="windowText" lastClr="000000"/>
+              </a:solidFill>
+            </a:endParaRPr>
+          </a:p>
+        </p:txBody>
+      </p:sp>
+      <p:sp>
+        <p:nvSpPr>
+          <p:cNvPr id="17" name="모서리가 둥근 직사각형 16"/>
+          <p:cNvSpPr/>
+          <p:nvPr/>
+        </p:nvSpPr>
+        <p:spPr>
+          <a:xfrm>
+            <a:off x="1996602" y="4869160"/>
+            <a:ext cx="1660254" cy="504056"/>
+          </a:xfrm>
+          <a:prstGeom prst="roundRect">
+            <a:avLst/>
+          </a:prstGeom>
+          <a:solidFill>
+            <a:schemeClr val="accent5">
+              <a:lumMod val="20000"/>
+              <a:lumOff val="80000"/>
+            </a:schemeClr>
+          </a:solidFill>
+          <a:ln w="12700"/>
+        </p:spPr>
+        <p:style>
+          <a:lnRef idx="2">
+            <a:schemeClr val="accent1">
+              <a:shade val="50000"/>
+            </a:schemeClr>
+          </a:lnRef>
+          <a:fillRef idx="1">
+            <a:schemeClr val="accent1"/>
+          </a:fillRef>
+          <a:effectRef idx="0">
+            <a:schemeClr val="accent1"/>
+          </a:effectRef>
+          <a:fontRef idx="minor">
+            <a:schemeClr val="lt1"/>
+          </a:fontRef>
+        </p:style>
+        <p:txBody>
+          <a:bodyPr rtlCol="0" anchor="ctr"/>
+          <a:lstStyle/>
+          <a:p>
+            <a:pPr algn="ctr"/>
+            <a:r>
+              <a:rPr lang="en-US" altLang="ko-KR" dirty="0" smtClean="0">
+                <a:solidFill>
+                  <a:sysClr val="windowText" lastClr="000000"/>
+                </a:solidFill>
+              </a:rPr>
+              <a:t>CSS</a:t>
+            </a:r>
+            <a:endParaRPr lang="ko-KR" altLang="en-US" dirty="0">
+              <a:solidFill>
+                <a:sysClr val="windowText" lastClr="000000"/>
+              </a:solidFill>
+            </a:endParaRPr>
+          </a:p>
+        </p:txBody>
+      </p:sp>
+      <p:sp>
+        <p:nvSpPr>
+          <p:cNvPr id="18" name="모서리가 둥근 직사각형 17"/>
+          <p:cNvSpPr/>
+          <p:nvPr/>
+        </p:nvSpPr>
+        <p:spPr>
+          <a:xfrm>
+            <a:off x="1996602" y="5517232"/>
+            <a:ext cx="1660254" cy="504056"/>
+          </a:xfrm>
+          <a:prstGeom prst="roundRect">
+            <a:avLst/>
+          </a:prstGeom>
+          <a:solidFill>
+            <a:schemeClr val="accent5">
+              <a:lumMod val="20000"/>
+              <a:lumOff val="80000"/>
+            </a:schemeClr>
+          </a:solidFill>
+          <a:ln w="12700"/>
+        </p:spPr>
+        <p:style>
+          <a:lnRef idx="2">
+            <a:schemeClr val="accent1">
+              <a:shade val="50000"/>
+            </a:schemeClr>
+          </a:lnRef>
+          <a:fillRef idx="1">
+            <a:schemeClr val="accent1"/>
+          </a:fillRef>
+          <a:effectRef idx="0">
+            <a:schemeClr val="accent1"/>
+          </a:effectRef>
+          <a:fontRef idx="minor">
+            <a:schemeClr val="lt1"/>
+          </a:fontRef>
+        </p:style>
+        <p:txBody>
+          <a:bodyPr rtlCol="0" anchor="ctr"/>
+          <a:lstStyle/>
+          <a:p>
+            <a:pPr algn="ctr"/>
+            <a:r>
+              <a:rPr lang="en-US" altLang="ko-KR" dirty="0" smtClean="0">
+                <a:solidFill>
+                  <a:schemeClr val="tx1"/>
+                </a:solidFill>
+              </a:rPr>
+              <a:t>JavaScript</a:t>
+            </a:r>
+            <a:endParaRPr lang="ko-KR" altLang="en-US" dirty="0">
+              <a:solidFill>
+                <a:schemeClr val="tx1"/>
+              </a:solidFill>
+            </a:endParaRPr>
+          </a:p>
+        </p:txBody>
+      </p:sp>
+      <p:cxnSp>
+        <p:nvCxnSpPr>
+          <p:cNvPr id="20" name="직선 연결선 19"/>
+          <p:cNvCxnSpPr/>
+          <p:nvPr/>
+        </p:nvCxnSpPr>
+        <p:spPr>
+          <a:xfrm>
+            <a:off x="4808984" y="3759596"/>
+            <a:ext cx="0" cy="2477716"/>
+          </a:xfrm>
+          <a:prstGeom prst="line">
+            <a:avLst/>
+          </a:prstGeom>
+          <a:ln w="28575">
+            <a:solidFill>
+              <a:schemeClr val="tx1"/>
+            </a:solidFill>
+            <a:prstDash val="sysDash"/>
+          </a:ln>
+        </p:spPr>
+        <p:style>
+          <a:lnRef idx="1">
+            <a:schemeClr val="accent1"/>
+          </a:lnRef>
+          <a:fillRef idx="0">
+            <a:schemeClr val="accent1"/>
+          </a:fillRef>
+          <a:effectRef idx="0">
+            <a:schemeClr val="accent1"/>
+          </a:effectRef>
+          <a:fontRef idx="minor">
+            <a:schemeClr val="tx1"/>
+          </a:fontRef>
+        </p:style>
+      </p:cxnSp>
+      <p:sp>
+        <p:nvSpPr>
+          <p:cNvPr id="21" name="모서리가 둥근 직사각형 20"/>
+          <p:cNvSpPr/>
+          <p:nvPr/>
+        </p:nvSpPr>
+        <p:spPr>
+          <a:xfrm>
+            <a:off x="5673080" y="4365104"/>
+            <a:ext cx="1391951" cy="504056"/>
+          </a:xfrm>
+          <a:prstGeom prst="roundRect">
+            <a:avLst/>
+          </a:prstGeom>
+          <a:solidFill>
+            <a:schemeClr val="accent5">
+              <a:lumMod val="20000"/>
+              <a:lumOff val="80000"/>
+            </a:schemeClr>
+          </a:solidFill>
+          <a:ln w="12700"/>
+        </p:spPr>
+        <p:style>
+          <a:lnRef idx="2">
+            <a:schemeClr val="accent1">
+              <a:shade val="50000"/>
+            </a:schemeClr>
+          </a:lnRef>
+          <a:fillRef idx="1">
+            <a:schemeClr val="accent1"/>
+          </a:fillRef>
+          <a:effectRef idx="0">
+            <a:schemeClr val="accent1"/>
+          </a:effectRef>
+          <a:fontRef idx="minor">
+            <a:schemeClr val="lt1"/>
+          </a:fontRef>
+        </p:style>
+        <p:txBody>
+          <a:bodyPr rtlCol="0" anchor="ctr"/>
+          <a:lstStyle/>
+          <a:p>
+            <a:pPr algn="ctr"/>
+            <a:r>
+              <a:rPr lang="en-US" altLang="ko-KR" dirty="0" smtClean="0">
+                <a:solidFill>
+                  <a:sysClr val="windowText" lastClr="000000"/>
+                </a:solidFill>
+              </a:rPr>
+              <a:t>Java(JSP)</a:t>
+            </a:r>
+            <a:endParaRPr lang="ko-KR" altLang="en-US" dirty="0">
+              <a:solidFill>
+                <a:sysClr val="windowText" lastClr="000000"/>
+              </a:solidFill>
+            </a:endParaRPr>
+          </a:p>
+        </p:txBody>
+      </p:sp>
+      <p:sp>
+        <p:nvSpPr>
+          <p:cNvPr id="22" name="모서리가 둥근 직사각형 21"/>
+          <p:cNvSpPr/>
+          <p:nvPr/>
+        </p:nvSpPr>
+        <p:spPr>
+          <a:xfrm>
+            <a:off x="5676719" y="5013176"/>
+            <a:ext cx="1389203" cy="504056"/>
+          </a:xfrm>
+          <a:prstGeom prst="roundRect">
+            <a:avLst/>
+          </a:prstGeom>
+          <a:solidFill>
+            <a:schemeClr val="accent5">
+              <a:lumMod val="20000"/>
+              <a:lumOff val="80000"/>
+            </a:schemeClr>
+          </a:solidFill>
+          <a:ln w="12700"/>
+        </p:spPr>
+        <p:style>
+          <a:lnRef idx="2">
+            <a:schemeClr val="accent1">
+              <a:shade val="50000"/>
+            </a:schemeClr>
+          </a:lnRef>
+          <a:fillRef idx="1">
+            <a:schemeClr val="accent1"/>
+          </a:fillRef>
+          <a:effectRef idx="0">
+            <a:schemeClr val="accent1"/>
+          </a:effectRef>
+          <a:fontRef idx="minor">
+            <a:schemeClr val="lt1"/>
+          </a:fontRef>
+        </p:style>
+        <p:txBody>
+          <a:bodyPr rtlCol="0" anchor="ctr"/>
+          <a:lstStyle/>
+          <a:p>
+            <a:pPr algn="ctr"/>
+            <a:r>
+              <a:rPr lang="en-US" altLang="ko-KR" dirty="0" smtClean="0">
+                <a:solidFill>
+                  <a:sysClr val="windowText" lastClr="000000"/>
+                </a:solidFill>
+              </a:rPr>
+              <a:t>PHP</a:t>
+            </a:r>
+            <a:endParaRPr lang="ko-KR" altLang="en-US" dirty="0">
+              <a:solidFill>
+                <a:sysClr val="windowText" lastClr="000000"/>
+              </a:solidFill>
+            </a:endParaRPr>
+          </a:p>
+        </p:txBody>
+      </p:sp>
+      <p:sp>
+        <p:nvSpPr>
+          <p:cNvPr id="23" name="모서리가 둥근 직사각형 22"/>
+          <p:cNvSpPr/>
+          <p:nvPr/>
+        </p:nvSpPr>
+        <p:spPr>
+          <a:xfrm>
+            <a:off x="7310285" y="4365104"/>
+            <a:ext cx="1383713" cy="504056"/>
+          </a:xfrm>
+          <a:prstGeom prst="roundRect">
+            <a:avLst/>
+          </a:prstGeom>
+          <a:solidFill>
+            <a:schemeClr val="accent5">
+              <a:lumMod val="20000"/>
+              <a:lumOff val="80000"/>
+            </a:schemeClr>
+          </a:solidFill>
+          <a:ln w="12700"/>
+        </p:spPr>
+        <p:style>
+          <a:lnRef idx="2">
+            <a:schemeClr val="accent1">
+              <a:shade val="50000"/>
+            </a:schemeClr>
+          </a:lnRef>
+          <a:fillRef idx="1">
+            <a:schemeClr val="accent1"/>
+          </a:fillRef>
+          <a:effectRef idx="0">
+            <a:schemeClr val="accent1"/>
+          </a:effectRef>
+          <a:fontRef idx="minor">
+            <a:schemeClr val="lt1"/>
+          </a:fontRef>
+        </p:style>
+        <p:txBody>
+          <a:bodyPr rtlCol="0" anchor="ctr"/>
+          <a:lstStyle/>
+          <a:p>
+            <a:pPr algn="ctr"/>
+            <a:r>
+              <a:rPr lang="ko-KR" altLang="en-US" dirty="0" err="1" smtClean="0">
+                <a:solidFill>
+                  <a:sysClr val="windowText" lastClr="000000"/>
+                </a:solidFill>
+              </a:rPr>
+              <a:t>파이썬</a:t>
+            </a:r>
+            <a:endParaRPr lang="ko-KR" altLang="en-US" dirty="0">
+              <a:solidFill>
+                <a:sysClr val="windowText" lastClr="000000"/>
+              </a:solidFill>
+            </a:endParaRPr>
+          </a:p>
+        </p:txBody>
+      </p:sp>
+      <p:sp>
+        <p:nvSpPr>
+          <p:cNvPr id="24" name="모서리가 둥근 직사각형 23"/>
+          <p:cNvSpPr/>
+          <p:nvPr/>
+        </p:nvSpPr>
+        <p:spPr>
+          <a:xfrm>
+            <a:off x="7310286" y="5013176"/>
+            <a:ext cx="1378359" cy="504056"/>
+          </a:xfrm>
+          <a:prstGeom prst="roundRect">
+            <a:avLst/>
+          </a:prstGeom>
+          <a:solidFill>
+            <a:schemeClr val="accent5">
+              <a:lumMod val="20000"/>
+              <a:lumOff val="80000"/>
+            </a:schemeClr>
+          </a:solidFill>
+          <a:ln w="12700"/>
+        </p:spPr>
+        <p:style>
+          <a:lnRef idx="2">
+            <a:schemeClr val="accent1">
+              <a:shade val="50000"/>
+            </a:schemeClr>
+          </a:lnRef>
+          <a:fillRef idx="1">
+            <a:schemeClr val="accent1"/>
+          </a:fillRef>
+          <a:effectRef idx="0">
+            <a:schemeClr val="accent1"/>
+          </a:effectRef>
+          <a:fontRef idx="minor">
+            <a:schemeClr val="lt1"/>
+          </a:fontRef>
+        </p:style>
+        <p:txBody>
+          <a:bodyPr rtlCol="0" anchor="ctr"/>
+          <a:lstStyle/>
+          <a:p>
+            <a:pPr algn="ctr"/>
+            <a:r>
+              <a:rPr lang="en-US" altLang="ko-KR" dirty="0" smtClean="0">
+                <a:solidFill>
+                  <a:schemeClr val="tx1"/>
+                </a:solidFill>
+              </a:rPr>
+              <a:t>JavaScript</a:t>
+            </a:r>
+          </a:p>
+        </p:txBody>
+      </p:sp>
+    </p:spTree>
+    <p:extLst>
+      <p:ext uri="{BB962C8B-B14F-4D97-AF65-F5344CB8AC3E}">
+        <p14:creationId xmlns:p14="http://schemas.microsoft.com/office/powerpoint/2010/main" val="1164028460"/>
+      </p:ext>
+    </p:extLst>
+  </p:cSld>
+  <p:clrMapOvr>
+    <a:masterClrMapping/>
+  </p:clrMapOvr>
+  <p:timing>
+    <p:tnLst>
+      <p:par>
+        <p:cTn id="1" dur="indefinite" restart="never" nodeType="tmRoot">
+          <p:childTnLst>
+            <p:seq concurrent="1" nextAc="seek">
+              <p:cTn id="2" dur="indefinite" nodeType="mainSeq">
+                <p:childTnLst>
+                  <p:par>
+                    <p:cTn id="3" fill="hold">
+                      <p:stCondLst>
+                        <p:cond delay="indefinite"/>
+                      </p:stCondLst>
+                      <p:childTnLst>
+                        <p:par>
+                          <p:cTn id="4" fill="hold">
+                            <p:stCondLst>
+                              <p:cond delay="0"/>
+                            </p:stCondLst>
+                            <p:childTnLst>
+                              <p:par>
+                                <p:cTn id="5" presetID="42" presetClass="entr" presetSubtype="0" fill="hold" grpId="0" nodeType="clickEffect">
+                                  <p:stCondLst>
+                                    <p:cond delay="0"/>
+                                  </p:stCondLst>
+                                  <p:childTnLst>
+                                    <p:set>
+                                      <p:cBhvr>
+                                        <p:cTn id="6" dur="1" fill="hold">
+                                          <p:stCondLst>
+                                            <p:cond delay="0"/>
+                                          </p:stCondLst>
+                                        </p:cTn>
+                                        <p:tgtEl>
+                                          <p:spTgt spid="24"/>
+                                        </p:tgtEl>
+                                        <p:attrNameLst>
+                                          <p:attrName>style.visibility</p:attrName>
+                                        </p:attrNameLst>
+                                      </p:cBhvr>
+                                      <p:to>
+                                        <p:strVal val="visible"/>
+                                      </p:to>
+                                    </p:set>
+                                    <p:animEffect transition="in" filter="fade">
+                                      <p:cBhvr>
+                                        <p:cTn id="7" dur="1000"/>
+                                        <p:tgtEl>
+                                          <p:spTgt spid="24"/>
+                                        </p:tgtEl>
+                                      </p:cBhvr>
+                                    </p:animEffect>
+                                    <p:anim calcmode="lin" valueType="num">
+                                      <p:cBhvr>
+                                        <p:cTn id="8" dur="1000" fill="hold"/>
+                                        <p:tgtEl>
+                                          <p:spTgt spid="24"/>
+                                        </p:tgtEl>
+                                        <p:attrNameLst>
+                                          <p:attrName>ppt_x</p:attrName>
+                                        </p:attrNameLst>
+                                      </p:cBhvr>
+                                      <p:tavLst>
+                                        <p:tav tm="0">
+                                          <p:val>
+                                            <p:strVal val="#ppt_x"/>
+                                          </p:val>
+                                        </p:tav>
+                                        <p:tav tm="100000">
+                                          <p:val>
+                                            <p:strVal val="#ppt_x"/>
+                                          </p:val>
+                                        </p:tav>
+                                      </p:tavLst>
+                                    </p:anim>
+                                    <p:anim calcmode="lin" valueType="num">
+                                      <p:cBhvr>
+                                        <p:cTn id="9" dur="1000" fill="hold"/>
+                                        <p:tgtEl>
+                                          <p:spTgt spid="24"/>
+                                        </p:tgtEl>
+                                        <p:attrNameLst>
+                                          <p:attrName>ppt_y</p:attrName>
+                                        </p:attrNameLst>
+                                      </p:cBhvr>
+                                      <p:tavLst>
+                                        <p:tav tm="0">
+                                          <p:val>
+                                            <p:strVal val="#ppt_y+.1"/>
+                                          </p:val>
+                                        </p:tav>
+                                        <p:tav tm="100000">
+                                          <p:val>
+                                            <p:strVal val="#ppt_y"/>
+                                          </p:val>
+                                        </p:tav>
+                                      </p:tavLst>
+                                    </p:anim>
+                                  </p:childTnLst>
+                                </p:cTn>
+                              </p:par>
+                            </p:childTnLst>
+                          </p:cTn>
+                        </p:par>
+                      </p:childTnLst>
+                    </p:cTn>
+                  </p:par>
+                </p:childTnLst>
+              </p:cTn>
+              <p:prevCondLst>
+                <p:cond evt="onPrev" delay="0">
+                  <p:tgtEl>
+                    <p:sldTgt/>
+                  </p:tgtEl>
+                </p:cond>
+              </p:prevCondLst>
+              <p:nextCondLst>
+                <p:cond evt="onNext" delay="0">
+                  <p:tgtEl>
+                    <p:sldTgt/>
+                  </p:tgtEl>
+                </p:cond>
+              </p:nextCondLst>
+            </p:seq>
+          </p:childTnLst>
+        </p:cTn>
+      </p:par>
+    </p:tnLst>
+    <p:bldLst>
+      <p:bldP spid="24" grpId="0" animBg="1"/>
+    </p:bldLst>
+  </p:timing>
+</p:sld>
+</file>
+
+<file path=ppt/slides/slide30.xml><?xml version="1.0" encoding="utf-8"?>
+<p:sld xmlns:a="http://schemas.openxmlformats.org/drawingml/2006/main" xmlns:r="http://schemas.openxmlformats.org/officeDocument/2006/relationships" xmlns:p="http://schemas.openxmlformats.org/presentationml/2006/main">
+  <p:cSld>
+    <p:spTree>
+      <p:nvGrpSpPr>
+        <p:cNvPr id="1" name=""/>
+        <p:cNvGrpSpPr/>
+        <p:nvPr/>
+      </p:nvGrpSpPr>
+      <p:grpSpPr>
+        <a:xfrm>
+          <a:off x="0" y="0"/>
+          <a:ext cx="0" cy="0"/>
+          <a:chOff x="0" y="0"/>
+          <a:chExt cx="0" cy="0"/>
+        </a:xfrm>
+      </p:grpSpPr>
+      <p:sp>
+        <p:nvSpPr>
+          <p:cNvPr id="2" name="제목 1"/>
+          <p:cNvSpPr>
+            <a:spLocks noGrp="1"/>
+          </p:cNvSpPr>
+          <p:nvPr>
+            <p:ph type="title"/>
+          </p:nvPr>
+        </p:nvSpPr>
+        <p:spPr/>
+        <p:txBody>
+          <a:bodyPr/>
+          <a:lstStyle/>
+          <a:p>
+            <a:r>
+              <a:rPr lang="en-US" altLang="ko-KR" dirty="0" smtClean="0"/>
+              <a:t> </a:t>
+            </a:r>
+            <a:r>
+              <a:rPr lang="ko-KR" altLang="en-US" dirty="0" smtClean="0"/>
+              <a:t>컴퓨터에서 데이터 표현하기</a:t>
+            </a:r>
+            <a:endParaRPr lang="ko-KR" altLang="en-US" dirty="0"/>
+          </a:p>
+        </p:txBody>
+      </p:sp>
+      <p:sp>
+        <p:nvSpPr>
+          <p:cNvPr id="4" name="슬라이드 번호 개체 틀 3"/>
+          <p:cNvSpPr>
+            <a:spLocks noGrp="1"/>
+          </p:cNvSpPr>
+          <p:nvPr>
+            <p:ph type="sldNum" sz="quarter" idx="12"/>
+          </p:nvPr>
+        </p:nvSpPr>
+        <p:spPr/>
+        <p:txBody>
+          <a:bodyPr/>
+          <a:lstStyle/>
+          <a:p>
+            <a:fld id="{1BDE3FE7-3AEA-4B05-AC5A-802D1816ACF0}" type="slidenum">
+              <a:rPr lang="ko-KR" altLang="en-US" smtClean="0"/>
+              <a:t>30</a:t>
             </a:fld>
             <a:endParaRPr lang="ko-KR" altLang="en-US"/>
           </a:p>
@@ -13901,7 +15223,7 @@
           <p:cNvPr id="7" name="내용 개체 틀 2">
             <a:extLst>
               <a:ext uri="{FF2B5EF4-FFF2-40B4-BE49-F238E27FC236}">
-                <a16:creationId xmlns="" xmlns:a16="http://schemas.microsoft.com/office/drawing/2014/main" id="{98AF3A4E-7D90-4241-89FE-799D6F9D5A94}"/>
+                <a16:creationId xmlns:a16="http://schemas.microsoft.com/office/drawing/2014/main" id="{98AF3A4E-7D90-4241-89FE-799D6F9D5A94}"/>
               </a:ext>
             </a:extLst>
           </p:cNvPr>
@@ -14205,7 +15527,7 @@
 </p:sld>
 </file>
 
-<file path=ppt/slides/slide3.xml><?xml version="1.0" encoding="utf-8"?>
+<file path=ppt/slides/slide31.xml><?xml version="1.0" encoding="utf-8"?>
 <p:sld xmlns:a="http://schemas.openxmlformats.org/drawingml/2006/main" xmlns:r="http://schemas.openxmlformats.org/officeDocument/2006/relationships" xmlns:p="http://schemas.openxmlformats.org/presentationml/2006/main">
   <p:cSld>
     <p:spTree>
@@ -14224,981 +15546,10 @@
       </p:grpSpPr>
       <p:sp>
         <p:nvSpPr>
-          <p:cNvPr id="2" name="제목 1"/>
-          <p:cNvSpPr>
-            <a:spLocks noGrp="1"/>
-          </p:cNvSpPr>
-          <p:nvPr>
-            <p:ph type="title"/>
-          </p:nvPr>
-        </p:nvSpPr>
-        <p:spPr>
-          <a:xfrm>
-            <a:off x="416497" y="197768"/>
-            <a:ext cx="6412780" cy="854968"/>
-          </a:xfrm>
-        </p:spPr>
-        <p:txBody>
-          <a:bodyPr>
-            <a:noAutofit/>
-          </a:bodyPr>
-          <a:lstStyle/>
-          <a:p>
-            <a:pPr algn="ctr"/>
-            <a:r>
-              <a:rPr lang="en-US" altLang="ko-KR" sz="2800" dirty="0" smtClean="0"/>
-              <a:t> </a:t>
-            </a:r>
-            <a:r>
-              <a:rPr lang="ko-KR" altLang="en-US" sz="2800" dirty="0" smtClean="0"/>
-              <a:t>클라이언트와 서버</a:t>
-            </a:r>
-            <a:endParaRPr lang="ko-KR" altLang="en-US" sz="2800" dirty="0"/>
-          </a:p>
-        </p:txBody>
-      </p:sp>
-      <p:sp>
-        <p:nvSpPr>
-          <p:cNvPr id="4" name="슬라이드 번호 개체 틀 3"/>
-          <p:cNvSpPr>
-            <a:spLocks noGrp="1"/>
-          </p:cNvSpPr>
-          <p:nvPr>
-            <p:ph type="sldNum" sz="quarter" idx="12"/>
-          </p:nvPr>
-        </p:nvSpPr>
-        <p:spPr/>
-        <p:txBody>
-          <a:bodyPr/>
-          <a:lstStyle/>
-          <a:p>
-            <a:fld id="{1BDE3FE7-3AEA-4B05-AC5A-802D1816ACF0}" type="slidenum">
-              <a:rPr lang="ko-KR" altLang="en-US" smtClean="0"/>
-              <a:t>3</a:t>
-            </a:fld>
-            <a:endParaRPr lang="ko-KR" altLang="en-US"/>
-          </a:p>
-        </p:txBody>
-      </p:sp>
-      <p:pic>
-        <p:nvPicPr>
-          <p:cNvPr id="6" name="그림 5"/>
-          <p:cNvPicPr>
-            <a:picLocks noChangeAspect="1"/>
-          </p:cNvPicPr>
-          <p:nvPr/>
-        </p:nvPicPr>
-        <p:blipFill>
-          <a:blip r:embed="rId2" cstate="print">
-            <a:extLst>
-              <a:ext uri="{28A0092B-C50C-407E-A947-70E740481C1C}">
-                <a14:useLocalDpi xmlns:a14="http://schemas.microsoft.com/office/drawing/2010/main" val="0"/>
-              </a:ext>
-            </a:extLst>
-          </a:blip>
-          <a:stretch>
-            <a:fillRect/>
-          </a:stretch>
-        </p:blipFill>
-        <p:spPr>
-          <a:xfrm>
-            <a:off x="6194123" y="1776400"/>
-            <a:ext cx="834380" cy="1216408"/>
-          </a:xfrm>
-          <a:prstGeom prst="rect">
-            <a:avLst/>
-          </a:prstGeom>
-        </p:spPr>
-      </p:pic>
-      <p:pic>
-        <p:nvPicPr>
-          <p:cNvPr id="7" name="그림 6"/>
-          <p:cNvPicPr>
-            <a:picLocks noChangeAspect="1"/>
-          </p:cNvPicPr>
-          <p:nvPr/>
-        </p:nvPicPr>
-        <p:blipFill>
-          <a:blip r:embed="rId3" cstate="print">
-            <a:extLst>
-              <a:ext uri="{28A0092B-C50C-407E-A947-70E740481C1C}">
-                <a14:useLocalDpi xmlns:a14="http://schemas.microsoft.com/office/drawing/2010/main" val="0"/>
-              </a:ext>
-            </a:extLst>
-          </a:blip>
-          <a:stretch>
-            <a:fillRect/>
-          </a:stretch>
-        </p:blipFill>
-        <p:spPr>
-          <a:xfrm>
-            <a:off x="6869661" y="2140717"/>
-            <a:ext cx="784895" cy="1144267"/>
-          </a:xfrm>
-          <a:prstGeom prst="rect">
-            <a:avLst/>
-          </a:prstGeom>
-        </p:spPr>
-      </p:pic>
-      <p:pic>
-        <p:nvPicPr>
-          <p:cNvPr id="8" name="그림 7"/>
-          <p:cNvPicPr>
-            <a:picLocks noChangeAspect="1"/>
-          </p:cNvPicPr>
-          <p:nvPr/>
-        </p:nvPicPr>
-        <p:blipFill>
-          <a:blip r:embed="rId4" cstate="print">
-            <a:extLst>
-              <a:ext uri="{28A0092B-C50C-407E-A947-70E740481C1C}">
-                <a14:useLocalDpi xmlns:a14="http://schemas.microsoft.com/office/drawing/2010/main" val="0"/>
-              </a:ext>
-            </a:extLst>
-          </a:blip>
-          <a:stretch>
-            <a:fillRect/>
-          </a:stretch>
-        </p:blipFill>
-        <p:spPr>
-          <a:xfrm>
-            <a:off x="1424608" y="1705376"/>
-            <a:ext cx="1910247" cy="1795632"/>
-          </a:xfrm>
-          <a:prstGeom prst="rect">
-            <a:avLst/>
-          </a:prstGeom>
-        </p:spPr>
-      </p:pic>
-      <p:sp>
-        <p:nvSpPr>
-          <p:cNvPr id="9" name="TextBox 8"/>
-          <p:cNvSpPr txBox="1"/>
-          <p:nvPr/>
-        </p:nvSpPr>
-        <p:spPr>
-          <a:xfrm>
-            <a:off x="5961112" y="3658282"/>
-            <a:ext cx="2321242" cy="369332"/>
-          </a:xfrm>
-          <a:prstGeom prst="rect">
-            <a:avLst/>
-          </a:prstGeom>
-          <a:noFill/>
-        </p:spPr>
-        <p:txBody>
-          <a:bodyPr wrap="square" rtlCol="0">
-            <a:spAutoFit/>
-          </a:bodyPr>
-          <a:lstStyle/>
-          <a:p>
-            <a:r>
-              <a:rPr lang="ko-KR" altLang="en-US" dirty="0" smtClean="0"/>
-              <a:t>서버</a:t>
-            </a:r>
-            <a:r>
-              <a:rPr lang="en-US" altLang="ko-KR" dirty="0" smtClean="0"/>
-              <a:t>(Server)</a:t>
-            </a:r>
-            <a:r>
-              <a:rPr lang="ko-KR" altLang="en-US" dirty="0" smtClean="0"/>
-              <a:t>측 언어</a:t>
-            </a:r>
-            <a:endParaRPr lang="ko-KR" altLang="en-US" dirty="0"/>
-          </a:p>
-        </p:txBody>
-      </p:sp>
-      <p:sp>
-        <p:nvSpPr>
-          <p:cNvPr id="10" name="TextBox 9"/>
-          <p:cNvSpPr txBox="1"/>
-          <p:nvPr/>
-        </p:nvSpPr>
-        <p:spPr>
-          <a:xfrm>
-            <a:off x="1496616" y="3658282"/>
-            <a:ext cx="2952328" cy="369332"/>
-          </a:xfrm>
-          <a:prstGeom prst="rect">
-            <a:avLst/>
-          </a:prstGeom>
-          <a:noFill/>
-        </p:spPr>
-        <p:txBody>
-          <a:bodyPr wrap="square" rtlCol="0">
-            <a:spAutoFit/>
-          </a:bodyPr>
-          <a:lstStyle/>
-          <a:p>
-            <a:r>
-              <a:rPr lang="ko-KR" altLang="en-US" dirty="0" smtClean="0"/>
-              <a:t>클라이언트</a:t>
-            </a:r>
-            <a:r>
-              <a:rPr lang="en-US" altLang="ko-KR" dirty="0" smtClean="0"/>
-              <a:t>(Client)</a:t>
-            </a:r>
-            <a:r>
-              <a:rPr lang="ko-KR" altLang="en-US" dirty="0" smtClean="0"/>
-              <a:t>측 언어</a:t>
-            </a:r>
-            <a:endParaRPr lang="ko-KR" altLang="en-US" dirty="0"/>
-          </a:p>
-        </p:txBody>
-      </p:sp>
-      <p:sp>
-        <p:nvSpPr>
-          <p:cNvPr id="11" name="TextBox 10"/>
-          <p:cNvSpPr txBox="1"/>
-          <p:nvPr/>
-        </p:nvSpPr>
-        <p:spPr>
-          <a:xfrm>
-            <a:off x="3334855" y="1607621"/>
-            <a:ext cx="2482241" cy="584775"/>
-          </a:xfrm>
-          <a:prstGeom prst="rect">
-            <a:avLst/>
-          </a:prstGeom>
-          <a:noFill/>
-        </p:spPr>
-        <p:txBody>
-          <a:bodyPr wrap="square" rtlCol="0">
-            <a:spAutoFit/>
-          </a:bodyPr>
-          <a:lstStyle/>
-          <a:p>
-            <a:pPr algn="ctr"/>
-            <a:r>
-              <a:rPr lang="ko-KR" altLang="en-US" sz="1600" dirty="0" err="1" smtClean="0"/>
-              <a:t>웹브라우저를</a:t>
-            </a:r>
-            <a:r>
-              <a:rPr lang="ko-KR" altLang="en-US" sz="1600" dirty="0" smtClean="0"/>
-              <a:t> 통해 필요한 정보를 요청</a:t>
-            </a:r>
-            <a:endParaRPr lang="ko-KR" altLang="en-US" sz="1600" dirty="0"/>
-          </a:p>
-        </p:txBody>
-      </p:sp>
-      <p:sp>
-        <p:nvSpPr>
-          <p:cNvPr id="12" name="TextBox 11"/>
-          <p:cNvSpPr txBox="1"/>
-          <p:nvPr/>
-        </p:nvSpPr>
-        <p:spPr>
-          <a:xfrm>
-            <a:off x="3473560" y="2902366"/>
-            <a:ext cx="2482241" cy="584775"/>
-          </a:xfrm>
-          <a:prstGeom prst="rect">
-            <a:avLst/>
-          </a:prstGeom>
-          <a:noFill/>
-        </p:spPr>
-        <p:txBody>
-          <a:bodyPr wrap="square" rtlCol="0">
-            <a:spAutoFit/>
-          </a:bodyPr>
-          <a:lstStyle/>
-          <a:p>
-            <a:pPr algn="ctr"/>
-            <a:r>
-              <a:rPr lang="ko-KR" altLang="en-US" sz="1600" dirty="0" smtClean="0"/>
-              <a:t>요청을 처리해 알맞은 </a:t>
-            </a:r>
-            <a:endParaRPr lang="en-US" altLang="ko-KR" sz="1600" dirty="0" smtClean="0"/>
-          </a:p>
-          <a:p>
-            <a:pPr algn="ctr"/>
-            <a:r>
-              <a:rPr lang="ko-KR" altLang="en-US" sz="1600" dirty="0" smtClean="0"/>
-              <a:t>정보를 전달</a:t>
-            </a:r>
-            <a:endParaRPr lang="ko-KR" altLang="en-US" sz="1600" dirty="0"/>
-          </a:p>
-        </p:txBody>
-      </p:sp>
-      <p:cxnSp>
-        <p:nvCxnSpPr>
-          <p:cNvPr id="14" name="직선 화살표 연결선 13"/>
-          <p:cNvCxnSpPr/>
-          <p:nvPr/>
-        </p:nvCxnSpPr>
-        <p:spPr>
-          <a:xfrm>
-            <a:off x="3440832" y="2325960"/>
-            <a:ext cx="2376264" cy="0"/>
-          </a:xfrm>
-          <a:prstGeom prst="straightConnector1">
-            <a:avLst/>
-          </a:prstGeom>
-          <a:ln w="28575">
-            <a:tailEnd type="triangle"/>
-          </a:ln>
-        </p:spPr>
-        <p:style>
-          <a:lnRef idx="1">
-            <a:schemeClr val="accent1"/>
-          </a:lnRef>
-          <a:fillRef idx="0">
-            <a:schemeClr val="accent1"/>
-          </a:fillRef>
-          <a:effectRef idx="0">
-            <a:schemeClr val="accent1"/>
-          </a:effectRef>
-          <a:fontRef idx="minor">
-            <a:schemeClr val="tx1"/>
-          </a:fontRef>
-        </p:style>
-      </p:cxnSp>
-      <p:cxnSp>
-        <p:nvCxnSpPr>
-          <p:cNvPr id="15" name="직선 화살표 연결선 14"/>
-          <p:cNvCxnSpPr/>
-          <p:nvPr/>
-        </p:nvCxnSpPr>
-        <p:spPr>
-          <a:xfrm>
-            <a:off x="3440832" y="2715751"/>
-            <a:ext cx="2376264" cy="0"/>
-          </a:xfrm>
-          <a:prstGeom prst="straightConnector1">
-            <a:avLst/>
-          </a:prstGeom>
-          <a:ln w="28575">
-            <a:headEnd type="triangle" w="med" len="med"/>
-            <a:tailEnd type="none" w="med" len="med"/>
-          </a:ln>
-        </p:spPr>
-        <p:style>
-          <a:lnRef idx="1">
-            <a:schemeClr val="accent1"/>
-          </a:lnRef>
-          <a:fillRef idx="0">
-            <a:schemeClr val="accent1"/>
-          </a:fillRef>
-          <a:effectRef idx="0">
-            <a:schemeClr val="accent1"/>
-          </a:effectRef>
-          <a:fontRef idx="minor">
-            <a:schemeClr val="tx1"/>
-          </a:fontRef>
-        </p:style>
-      </p:cxnSp>
-      <p:sp>
-        <p:nvSpPr>
-          <p:cNvPr id="16" name="모서리가 둥근 직사각형 15"/>
-          <p:cNvSpPr/>
-          <p:nvPr/>
-        </p:nvSpPr>
-        <p:spPr>
-          <a:xfrm>
-            <a:off x="1996602" y="4230298"/>
-            <a:ext cx="1660254" cy="504056"/>
-          </a:xfrm>
-          <a:prstGeom prst="roundRect">
-            <a:avLst/>
-          </a:prstGeom>
-          <a:solidFill>
-            <a:schemeClr val="accent5">
-              <a:lumMod val="20000"/>
-              <a:lumOff val="80000"/>
-            </a:schemeClr>
-          </a:solidFill>
-          <a:ln w="12700"/>
-        </p:spPr>
-        <p:style>
-          <a:lnRef idx="2">
-            <a:schemeClr val="accent1">
-              <a:shade val="50000"/>
-            </a:schemeClr>
-          </a:lnRef>
-          <a:fillRef idx="1">
-            <a:schemeClr val="accent1"/>
-          </a:fillRef>
-          <a:effectRef idx="0">
-            <a:schemeClr val="accent1"/>
-          </a:effectRef>
-          <a:fontRef idx="minor">
-            <a:schemeClr val="lt1"/>
-          </a:fontRef>
-        </p:style>
-        <p:txBody>
-          <a:bodyPr rtlCol="0" anchor="ctr"/>
-          <a:lstStyle/>
-          <a:p>
-            <a:pPr algn="ctr"/>
-            <a:r>
-              <a:rPr lang="en-US" altLang="ko-KR" dirty="0" smtClean="0">
-                <a:solidFill>
-                  <a:sysClr val="windowText" lastClr="000000"/>
-                </a:solidFill>
-              </a:rPr>
-              <a:t>HTML</a:t>
-            </a:r>
-            <a:endParaRPr lang="ko-KR" altLang="en-US" dirty="0">
-              <a:solidFill>
-                <a:sysClr val="windowText" lastClr="000000"/>
-              </a:solidFill>
-            </a:endParaRPr>
-          </a:p>
-        </p:txBody>
-      </p:sp>
-      <p:sp>
-        <p:nvSpPr>
-          <p:cNvPr id="17" name="모서리가 둥근 직사각형 16"/>
-          <p:cNvSpPr/>
-          <p:nvPr/>
-        </p:nvSpPr>
-        <p:spPr>
-          <a:xfrm>
-            <a:off x="1996602" y="4869160"/>
-            <a:ext cx="1660254" cy="504056"/>
-          </a:xfrm>
-          <a:prstGeom prst="roundRect">
-            <a:avLst/>
-          </a:prstGeom>
-          <a:solidFill>
-            <a:schemeClr val="accent5">
-              <a:lumMod val="20000"/>
-              <a:lumOff val="80000"/>
-            </a:schemeClr>
-          </a:solidFill>
-          <a:ln w="12700"/>
-        </p:spPr>
-        <p:style>
-          <a:lnRef idx="2">
-            <a:schemeClr val="accent1">
-              <a:shade val="50000"/>
-            </a:schemeClr>
-          </a:lnRef>
-          <a:fillRef idx="1">
-            <a:schemeClr val="accent1"/>
-          </a:fillRef>
-          <a:effectRef idx="0">
-            <a:schemeClr val="accent1"/>
-          </a:effectRef>
-          <a:fontRef idx="minor">
-            <a:schemeClr val="lt1"/>
-          </a:fontRef>
-        </p:style>
-        <p:txBody>
-          <a:bodyPr rtlCol="0" anchor="ctr"/>
-          <a:lstStyle/>
-          <a:p>
-            <a:pPr algn="ctr"/>
-            <a:r>
-              <a:rPr lang="en-US" altLang="ko-KR" dirty="0" smtClean="0">
-                <a:solidFill>
-                  <a:sysClr val="windowText" lastClr="000000"/>
-                </a:solidFill>
-              </a:rPr>
-              <a:t>CSS</a:t>
-            </a:r>
-            <a:endParaRPr lang="ko-KR" altLang="en-US" dirty="0">
-              <a:solidFill>
-                <a:sysClr val="windowText" lastClr="000000"/>
-              </a:solidFill>
-            </a:endParaRPr>
-          </a:p>
-        </p:txBody>
-      </p:sp>
-      <p:sp>
-        <p:nvSpPr>
-          <p:cNvPr id="18" name="모서리가 둥근 직사각형 17"/>
-          <p:cNvSpPr/>
-          <p:nvPr/>
-        </p:nvSpPr>
-        <p:spPr>
-          <a:xfrm>
-            <a:off x="1996602" y="5517232"/>
-            <a:ext cx="1660254" cy="504056"/>
-          </a:xfrm>
-          <a:prstGeom prst="roundRect">
-            <a:avLst/>
-          </a:prstGeom>
-          <a:solidFill>
-            <a:schemeClr val="accent5">
-              <a:lumMod val="20000"/>
-              <a:lumOff val="80000"/>
-            </a:schemeClr>
-          </a:solidFill>
-          <a:ln w="12700"/>
-        </p:spPr>
-        <p:style>
-          <a:lnRef idx="2">
-            <a:schemeClr val="accent1">
-              <a:shade val="50000"/>
-            </a:schemeClr>
-          </a:lnRef>
-          <a:fillRef idx="1">
-            <a:schemeClr val="accent1"/>
-          </a:fillRef>
-          <a:effectRef idx="0">
-            <a:schemeClr val="accent1"/>
-          </a:effectRef>
-          <a:fontRef idx="minor">
-            <a:schemeClr val="lt1"/>
-          </a:fontRef>
-        </p:style>
-        <p:txBody>
-          <a:bodyPr rtlCol="0" anchor="ctr"/>
-          <a:lstStyle/>
-          <a:p>
-            <a:pPr algn="ctr"/>
-            <a:r>
-              <a:rPr lang="en-US" altLang="ko-KR" dirty="0" smtClean="0">
-                <a:solidFill>
-                  <a:schemeClr val="tx1"/>
-                </a:solidFill>
-              </a:rPr>
-              <a:t>JavaScript</a:t>
-            </a:r>
-            <a:endParaRPr lang="ko-KR" altLang="en-US" dirty="0">
-              <a:solidFill>
-                <a:schemeClr val="tx1"/>
-              </a:solidFill>
-            </a:endParaRPr>
-          </a:p>
-        </p:txBody>
-      </p:sp>
-      <p:cxnSp>
-        <p:nvCxnSpPr>
-          <p:cNvPr id="20" name="직선 연결선 19"/>
-          <p:cNvCxnSpPr/>
-          <p:nvPr/>
-        </p:nvCxnSpPr>
-        <p:spPr>
-          <a:xfrm>
-            <a:off x="4808984" y="3759596"/>
-            <a:ext cx="0" cy="2477716"/>
-          </a:xfrm>
-          <a:prstGeom prst="line">
-            <a:avLst/>
-          </a:prstGeom>
-          <a:ln w="28575">
-            <a:solidFill>
-              <a:schemeClr val="tx1"/>
-            </a:solidFill>
-            <a:prstDash val="sysDash"/>
-          </a:ln>
-        </p:spPr>
-        <p:style>
-          <a:lnRef idx="1">
-            <a:schemeClr val="accent1"/>
-          </a:lnRef>
-          <a:fillRef idx="0">
-            <a:schemeClr val="accent1"/>
-          </a:fillRef>
-          <a:effectRef idx="0">
-            <a:schemeClr val="accent1"/>
-          </a:effectRef>
-          <a:fontRef idx="minor">
-            <a:schemeClr val="tx1"/>
-          </a:fontRef>
-        </p:style>
-      </p:cxnSp>
-      <p:sp>
-        <p:nvSpPr>
-          <p:cNvPr id="21" name="모서리가 둥근 직사각형 20"/>
-          <p:cNvSpPr/>
-          <p:nvPr/>
-        </p:nvSpPr>
-        <p:spPr>
-          <a:xfrm>
-            <a:off x="5673080" y="4365104"/>
-            <a:ext cx="1391951" cy="504056"/>
-          </a:xfrm>
-          <a:prstGeom prst="roundRect">
-            <a:avLst/>
-          </a:prstGeom>
-          <a:solidFill>
-            <a:schemeClr val="accent5">
-              <a:lumMod val="20000"/>
-              <a:lumOff val="80000"/>
-            </a:schemeClr>
-          </a:solidFill>
-          <a:ln w="12700"/>
-        </p:spPr>
-        <p:style>
-          <a:lnRef idx="2">
-            <a:schemeClr val="accent1">
-              <a:shade val="50000"/>
-            </a:schemeClr>
-          </a:lnRef>
-          <a:fillRef idx="1">
-            <a:schemeClr val="accent1"/>
-          </a:fillRef>
-          <a:effectRef idx="0">
-            <a:schemeClr val="accent1"/>
-          </a:effectRef>
-          <a:fontRef idx="minor">
-            <a:schemeClr val="lt1"/>
-          </a:fontRef>
-        </p:style>
-        <p:txBody>
-          <a:bodyPr rtlCol="0" anchor="ctr"/>
-          <a:lstStyle/>
-          <a:p>
-            <a:pPr algn="ctr"/>
-            <a:r>
-              <a:rPr lang="en-US" altLang="ko-KR" dirty="0" smtClean="0">
-                <a:solidFill>
-                  <a:sysClr val="windowText" lastClr="000000"/>
-                </a:solidFill>
-              </a:rPr>
-              <a:t>Java(JSP)</a:t>
-            </a:r>
-            <a:endParaRPr lang="ko-KR" altLang="en-US" dirty="0">
-              <a:solidFill>
-                <a:sysClr val="windowText" lastClr="000000"/>
-              </a:solidFill>
-            </a:endParaRPr>
-          </a:p>
-        </p:txBody>
-      </p:sp>
-      <p:sp>
-        <p:nvSpPr>
-          <p:cNvPr id="22" name="모서리가 둥근 직사각형 21"/>
-          <p:cNvSpPr/>
-          <p:nvPr/>
-        </p:nvSpPr>
-        <p:spPr>
-          <a:xfrm>
-            <a:off x="5676719" y="5013176"/>
-            <a:ext cx="1389203" cy="504056"/>
-          </a:xfrm>
-          <a:prstGeom prst="roundRect">
-            <a:avLst/>
-          </a:prstGeom>
-          <a:solidFill>
-            <a:schemeClr val="accent5">
-              <a:lumMod val="20000"/>
-              <a:lumOff val="80000"/>
-            </a:schemeClr>
-          </a:solidFill>
-          <a:ln w="12700"/>
-        </p:spPr>
-        <p:style>
-          <a:lnRef idx="2">
-            <a:schemeClr val="accent1">
-              <a:shade val="50000"/>
-            </a:schemeClr>
-          </a:lnRef>
-          <a:fillRef idx="1">
-            <a:schemeClr val="accent1"/>
-          </a:fillRef>
-          <a:effectRef idx="0">
-            <a:schemeClr val="accent1"/>
-          </a:effectRef>
-          <a:fontRef idx="minor">
-            <a:schemeClr val="lt1"/>
-          </a:fontRef>
-        </p:style>
-        <p:txBody>
-          <a:bodyPr rtlCol="0" anchor="ctr"/>
-          <a:lstStyle/>
-          <a:p>
-            <a:pPr algn="ctr"/>
-            <a:r>
-              <a:rPr lang="en-US" altLang="ko-KR" dirty="0" smtClean="0">
-                <a:solidFill>
-                  <a:sysClr val="windowText" lastClr="000000"/>
-                </a:solidFill>
-              </a:rPr>
-              <a:t>PHP</a:t>
-            </a:r>
-            <a:endParaRPr lang="ko-KR" altLang="en-US" dirty="0">
-              <a:solidFill>
-                <a:sysClr val="windowText" lastClr="000000"/>
-              </a:solidFill>
-            </a:endParaRPr>
-          </a:p>
-        </p:txBody>
-      </p:sp>
-      <p:sp>
-        <p:nvSpPr>
-          <p:cNvPr id="23" name="모서리가 둥근 직사각형 22"/>
-          <p:cNvSpPr/>
-          <p:nvPr/>
-        </p:nvSpPr>
-        <p:spPr>
-          <a:xfrm>
-            <a:off x="7310285" y="4365104"/>
-            <a:ext cx="1383713" cy="504056"/>
-          </a:xfrm>
-          <a:prstGeom prst="roundRect">
-            <a:avLst/>
-          </a:prstGeom>
-          <a:solidFill>
-            <a:schemeClr val="accent5">
-              <a:lumMod val="20000"/>
-              <a:lumOff val="80000"/>
-            </a:schemeClr>
-          </a:solidFill>
-          <a:ln w="12700"/>
-        </p:spPr>
-        <p:style>
-          <a:lnRef idx="2">
-            <a:schemeClr val="accent1">
-              <a:shade val="50000"/>
-            </a:schemeClr>
-          </a:lnRef>
-          <a:fillRef idx="1">
-            <a:schemeClr val="accent1"/>
-          </a:fillRef>
-          <a:effectRef idx="0">
-            <a:schemeClr val="accent1"/>
-          </a:effectRef>
-          <a:fontRef idx="minor">
-            <a:schemeClr val="lt1"/>
-          </a:fontRef>
-        </p:style>
-        <p:txBody>
-          <a:bodyPr rtlCol="0" anchor="ctr"/>
-          <a:lstStyle/>
-          <a:p>
-            <a:pPr algn="ctr"/>
-            <a:r>
-              <a:rPr lang="ko-KR" altLang="en-US" dirty="0" err="1" smtClean="0">
-                <a:solidFill>
-                  <a:sysClr val="windowText" lastClr="000000"/>
-                </a:solidFill>
-              </a:rPr>
-              <a:t>파이썬</a:t>
-            </a:r>
-            <a:endParaRPr lang="ko-KR" altLang="en-US" dirty="0">
-              <a:solidFill>
-                <a:sysClr val="windowText" lastClr="000000"/>
-              </a:solidFill>
-            </a:endParaRPr>
-          </a:p>
-        </p:txBody>
-      </p:sp>
-      <p:sp>
-        <p:nvSpPr>
-          <p:cNvPr id="24" name="모서리가 둥근 직사각형 23"/>
-          <p:cNvSpPr/>
-          <p:nvPr/>
-        </p:nvSpPr>
-        <p:spPr>
-          <a:xfrm>
-            <a:off x="7310286" y="5013176"/>
-            <a:ext cx="1378359" cy="504056"/>
-          </a:xfrm>
-          <a:prstGeom prst="roundRect">
-            <a:avLst/>
-          </a:prstGeom>
-          <a:solidFill>
-            <a:schemeClr val="accent5">
-              <a:lumMod val="20000"/>
-              <a:lumOff val="80000"/>
-            </a:schemeClr>
-          </a:solidFill>
-          <a:ln w="12700"/>
-        </p:spPr>
-        <p:style>
-          <a:lnRef idx="2">
-            <a:schemeClr val="accent1">
-              <a:shade val="50000"/>
-            </a:schemeClr>
-          </a:lnRef>
-          <a:fillRef idx="1">
-            <a:schemeClr val="accent1"/>
-          </a:fillRef>
-          <a:effectRef idx="0">
-            <a:schemeClr val="accent1"/>
-          </a:effectRef>
-          <a:fontRef idx="minor">
-            <a:schemeClr val="lt1"/>
-          </a:fontRef>
-        </p:style>
-        <p:txBody>
-          <a:bodyPr rtlCol="0" anchor="ctr"/>
-          <a:lstStyle/>
-          <a:p>
-            <a:pPr algn="ctr"/>
-            <a:r>
-              <a:rPr lang="en-US" altLang="ko-KR" dirty="0" smtClean="0">
-                <a:solidFill>
-                  <a:schemeClr val="tx1"/>
-                </a:solidFill>
-              </a:rPr>
-              <a:t>JavaScript</a:t>
-            </a:r>
-          </a:p>
-        </p:txBody>
-      </p:sp>
-    </p:spTree>
-    <p:extLst>
-      <p:ext uri="{BB962C8B-B14F-4D97-AF65-F5344CB8AC3E}">
-        <p14:creationId xmlns:p14="http://schemas.microsoft.com/office/powerpoint/2010/main" val="1164028460"/>
-      </p:ext>
-    </p:extLst>
-  </p:cSld>
-  <p:clrMapOvr>
-    <a:masterClrMapping/>
-  </p:clrMapOvr>
-  <p:timing>
-    <p:tnLst>
-      <p:par>
-        <p:cTn id="1" dur="indefinite" restart="never" nodeType="tmRoot">
-          <p:childTnLst>
-            <p:seq concurrent="1" nextAc="seek">
-              <p:cTn id="2" dur="indefinite" nodeType="mainSeq">
-                <p:childTnLst>
-                  <p:par>
-                    <p:cTn id="3" fill="hold">
-                      <p:stCondLst>
-                        <p:cond delay="indefinite"/>
-                      </p:stCondLst>
-                      <p:childTnLst>
-                        <p:par>
-                          <p:cTn id="4" fill="hold">
-                            <p:stCondLst>
-                              <p:cond delay="0"/>
-                            </p:stCondLst>
-                            <p:childTnLst>
-                              <p:par>
-                                <p:cTn id="5" presetID="42" presetClass="entr" presetSubtype="0" fill="hold" grpId="0" nodeType="clickEffect">
-                                  <p:stCondLst>
-                                    <p:cond delay="0"/>
-                                  </p:stCondLst>
-                                  <p:childTnLst>
-                                    <p:set>
-                                      <p:cBhvr>
-                                        <p:cTn id="6" dur="1" fill="hold">
-                                          <p:stCondLst>
-                                            <p:cond delay="0"/>
-                                          </p:stCondLst>
-                                        </p:cTn>
-                                        <p:tgtEl>
-                                          <p:spTgt spid="24"/>
-                                        </p:tgtEl>
-                                        <p:attrNameLst>
-                                          <p:attrName>style.visibility</p:attrName>
-                                        </p:attrNameLst>
-                                      </p:cBhvr>
-                                      <p:to>
-                                        <p:strVal val="visible"/>
-                                      </p:to>
-                                    </p:set>
-                                    <p:animEffect transition="in" filter="fade">
-                                      <p:cBhvr>
-                                        <p:cTn id="7" dur="1000"/>
-                                        <p:tgtEl>
-                                          <p:spTgt spid="24"/>
-                                        </p:tgtEl>
-                                      </p:cBhvr>
-                                    </p:animEffect>
-                                    <p:anim calcmode="lin" valueType="num">
-                                      <p:cBhvr>
-                                        <p:cTn id="8" dur="1000" fill="hold"/>
-                                        <p:tgtEl>
-                                          <p:spTgt spid="24"/>
-                                        </p:tgtEl>
-                                        <p:attrNameLst>
-                                          <p:attrName>ppt_x</p:attrName>
-                                        </p:attrNameLst>
-                                      </p:cBhvr>
-                                      <p:tavLst>
-                                        <p:tav tm="0">
-                                          <p:val>
-                                            <p:strVal val="#ppt_x"/>
-                                          </p:val>
-                                        </p:tav>
-                                        <p:tav tm="100000">
-                                          <p:val>
-                                            <p:strVal val="#ppt_x"/>
-                                          </p:val>
-                                        </p:tav>
-                                      </p:tavLst>
-                                    </p:anim>
-                                    <p:anim calcmode="lin" valueType="num">
-                                      <p:cBhvr>
-                                        <p:cTn id="9" dur="1000" fill="hold"/>
-                                        <p:tgtEl>
-                                          <p:spTgt spid="24"/>
-                                        </p:tgtEl>
-                                        <p:attrNameLst>
-                                          <p:attrName>ppt_y</p:attrName>
-                                        </p:attrNameLst>
-                                      </p:cBhvr>
-                                      <p:tavLst>
-                                        <p:tav tm="0">
-                                          <p:val>
-                                            <p:strVal val="#ppt_y+.1"/>
-                                          </p:val>
-                                        </p:tav>
-                                        <p:tav tm="100000">
-                                          <p:val>
-                                            <p:strVal val="#ppt_y"/>
-                                          </p:val>
-                                        </p:tav>
-                                      </p:tavLst>
-                                    </p:anim>
-                                  </p:childTnLst>
-                                </p:cTn>
-                              </p:par>
-                            </p:childTnLst>
-                          </p:cTn>
-                        </p:par>
-                      </p:childTnLst>
-                    </p:cTn>
-                  </p:par>
-                </p:childTnLst>
-              </p:cTn>
-              <p:prevCondLst>
-                <p:cond evt="onPrev" delay="0">
-                  <p:tgtEl>
-                    <p:sldTgt/>
-                  </p:tgtEl>
-                </p:cond>
-              </p:prevCondLst>
-              <p:nextCondLst>
-                <p:cond evt="onNext" delay="0">
-                  <p:tgtEl>
-                    <p:sldTgt/>
-                  </p:tgtEl>
-                </p:cond>
-              </p:nextCondLst>
-            </p:seq>
-          </p:childTnLst>
-        </p:cTn>
-      </p:par>
-    </p:tnLst>
-    <p:bldLst>
-      <p:bldP spid="24" grpId="0" animBg="1"/>
-    </p:bldLst>
-  </p:timing>
-</p:sld>
-</file>
-
-<file path=ppt/slides/slide30.xml><?xml version="1.0" encoding="utf-8"?>
-<p:sld xmlns:a="http://schemas.openxmlformats.org/drawingml/2006/main" xmlns:r="http://schemas.openxmlformats.org/officeDocument/2006/relationships" xmlns:p="http://schemas.openxmlformats.org/presentationml/2006/main">
-  <p:cSld>
-    <p:spTree>
-      <p:nvGrpSpPr>
-        <p:cNvPr id="1" name=""/>
-        <p:cNvGrpSpPr/>
-        <p:nvPr/>
-      </p:nvGrpSpPr>
-      <p:grpSpPr>
-        <a:xfrm>
-          <a:off x="0" y="0"/>
-          <a:ext cx="0" cy="0"/>
-          <a:chOff x="0" y="0"/>
-          <a:chExt cx="0" cy="0"/>
-        </a:xfrm>
-      </p:grpSpPr>
-      <p:sp>
-        <p:nvSpPr>
           <p:cNvPr id="2" name="내용 개체 틀 2">
             <a:extLst>
               <a:ext uri="{FF2B5EF4-FFF2-40B4-BE49-F238E27FC236}">
-                <a16:creationId xmlns="" xmlns:a16="http://schemas.microsoft.com/office/drawing/2014/main" id="{00D63F9B-A0CD-40DB-9700-D85C71A79654}"/>
+                <a16:creationId xmlns:a16="http://schemas.microsoft.com/office/drawing/2014/main" id="{00D63F9B-A0CD-40DB-9700-D85C71A79654}"/>
               </a:ext>
             </a:extLst>
           </p:cNvPr>
@@ -15603,14 +15954,62 @@
                 <a:tableStyleId>{5940675A-B579-460E-94D1-54222C63F5DA}</a:tableStyleId>
               </a:tblPr>
               <a:tblGrid>
-                <a:gridCol w="567063"/>
-                <a:gridCol w="567063"/>
-                <a:gridCol w="567063"/>
-                <a:gridCol w="567063"/>
-                <a:gridCol w="567063"/>
-                <a:gridCol w="567063"/>
-                <a:gridCol w="567063"/>
-                <a:gridCol w="567063"/>
+                <a:gridCol w="567063">
+                  <a:extLst>
+                    <a:ext uri="{9D8B030D-6E8A-4147-A177-3AD203B41FA5}">
+                      <a16:colId xmlns:a16="http://schemas.microsoft.com/office/drawing/2014/main" val="20000"/>
+                    </a:ext>
+                  </a:extLst>
+                </a:gridCol>
+                <a:gridCol w="567063">
+                  <a:extLst>
+                    <a:ext uri="{9D8B030D-6E8A-4147-A177-3AD203B41FA5}">
+                      <a16:colId xmlns:a16="http://schemas.microsoft.com/office/drawing/2014/main" val="20001"/>
+                    </a:ext>
+                  </a:extLst>
+                </a:gridCol>
+                <a:gridCol w="567063">
+                  <a:extLst>
+                    <a:ext uri="{9D8B030D-6E8A-4147-A177-3AD203B41FA5}">
+                      <a16:colId xmlns:a16="http://schemas.microsoft.com/office/drawing/2014/main" val="20002"/>
+                    </a:ext>
+                  </a:extLst>
+                </a:gridCol>
+                <a:gridCol w="567063">
+                  <a:extLst>
+                    <a:ext uri="{9D8B030D-6E8A-4147-A177-3AD203B41FA5}">
+                      <a16:colId xmlns:a16="http://schemas.microsoft.com/office/drawing/2014/main" val="20003"/>
+                    </a:ext>
+                  </a:extLst>
+                </a:gridCol>
+                <a:gridCol w="567063">
+                  <a:extLst>
+                    <a:ext uri="{9D8B030D-6E8A-4147-A177-3AD203B41FA5}">
+                      <a16:colId xmlns:a16="http://schemas.microsoft.com/office/drawing/2014/main" val="20004"/>
+                    </a:ext>
+                  </a:extLst>
+                </a:gridCol>
+                <a:gridCol w="567063">
+                  <a:extLst>
+                    <a:ext uri="{9D8B030D-6E8A-4147-A177-3AD203B41FA5}">
+                      <a16:colId xmlns:a16="http://schemas.microsoft.com/office/drawing/2014/main" val="20005"/>
+                    </a:ext>
+                  </a:extLst>
+                </a:gridCol>
+                <a:gridCol w="567063">
+                  <a:extLst>
+                    <a:ext uri="{9D8B030D-6E8A-4147-A177-3AD203B41FA5}">
+                      <a16:colId xmlns:a16="http://schemas.microsoft.com/office/drawing/2014/main" val="20006"/>
+                    </a:ext>
+                  </a:extLst>
+                </a:gridCol>
+                <a:gridCol w="567063">
+                  <a:extLst>
+                    <a:ext uri="{9D8B030D-6E8A-4147-A177-3AD203B41FA5}">
+                      <a16:colId xmlns:a16="http://schemas.microsoft.com/office/drawing/2014/main" val="20007"/>
+                    </a:ext>
+                  </a:extLst>
+                </a:gridCol>
               </a:tblGrid>
               <a:tr h="396912">
                 <a:tc>
@@ -15741,6 +16140,11 @@
                   </a:txBody>
                   <a:tcPr anchor="ctr"/>
                 </a:tc>
+                <a:extLst>
+                  <a:ext uri="{0D108BD9-81ED-4DB2-BD59-A6C34878D82A}">
+                    <a16:rowId xmlns:a16="http://schemas.microsoft.com/office/drawing/2014/main" val="10000"/>
+                  </a:ext>
+                </a:extLst>
               </a:tr>
             </a:tbl>
           </a:graphicData>
@@ -15809,14 +16213,62 @@
                 <a:tableStyleId>{5940675A-B579-460E-94D1-54222C63F5DA}</a:tableStyleId>
               </a:tblPr>
               <a:tblGrid>
-                <a:gridCol w="567063"/>
-                <a:gridCol w="567063"/>
-                <a:gridCol w="567063"/>
-                <a:gridCol w="567063"/>
-                <a:gridCol w="567063"/>
-                <a:gridCol w="567063"/>
-                <a:gridCol w="567063"/>
-                <a:gridCol w="567063"/>
+                <a:gridCol w="567063">
+                  <a:extLst>
+                    <a:ext uri="{9D8B030D-6E8A-4147-A177-3AD203B41FA5}">
+                      <a16:colId xmlns:a16="http://schemas.microsoft.com/office/drawing/2014/main" val="20000"/>
+                    </a:ext>
+                  </a:extLst>
+                </a:gridCol>
+                <a:gridCol w="567063">
+                  <a:extLst>
+                    <a:ext uri="{9D8B030D-6E8A-4147-A177-3AD203B41FA5}">
+                      <a16:colId xmlns:a16="http://schemas.microsoft.com/office/drawing/2014/main" val="20001"/>
+                    </a:ext>
+                  </a:extLst>
+                </a:gridCol>
+                <a:gridCol w="567063">
+                  <a:extLst>
+                    <a:ext uri="{9D8B030D-6E8A-4147-A177-3AD203B41FA5}">
+                      <a16:colId xmlns:a16="http://schemas.microsoft.com/office/drawing/2014/main" val="20002"/>
+                    </a:ext>
+                  </a:extLst>
+                </a:gridCol>
+                <a:gridCol w="567063">
+                  <a:extLst>
+                    <a:ext uri="{9D8B030D-6E8A-4147-A177-3AD203B41FA5}">
+                      <a16:colId xmlns:a16="http://schemas.microsoft.com/office/drawing/2014/main" val="20003"/>
+                    </a:ext>
+                  </a:extLst>
+                </a:gridCol>
+                <a:gridCol w="567063">
+                  <a:extLst>
+                    <a:ext uri="{9D8B030D-6E8A-4147-A177-3AD203B41FA5}">
+                      <a16:colId xmlns:a16="http://schemas.microsoft.com/office/drawing/2014/main" val="20004"/>
+                    </a:ext>
+                  </a:extLst>
+                </a:gridCol>
+                <a:gridCol w="567063">
+                  <a:extLst>
+                    <a:ext uri="{9D8B030D-6E8A-4147-A177-3AD203B41FA5}">
+                      <a16:colId xmlns:a16="http://schemas.microsoft.com/office/drawing/2014/main" val="20005"/>
+                    </a:ext>
+                  </a:extLst>
+                </a:gridCol>
+                <a:gridCol w="567063">
+                  <a:extLst>
+                    <a:ext uri="{9D8B030D-6E8A-4147-A177-3AD203B41FA5}">
+                      <a16:colId xmlns:a16="http://schemas.microsoft.com/office/drawing/2014/main" val="20006"/>
+                    </a:ext>
+                  </a:extLst>
+                </a:gridCol>
+                <a:gridCol w="567063">
+                  <a:extLst>
+                    <a:ext uri="{9D8B030D-6E8A-4147-A177-3AD203B41FA5}">
+                      <a16:colId xmlns:a16="http://schemas.microsoft.com/office/drawing/2014/main" val="20007"/>
+                    </a:ext>
+                  </a:extLst>
+                </a:gridCol>
               </a:tblGrid>
               <a:tr h="396912">
                 <a:tc>
@@ -15947,6 +16399,11 @@
                   </a:txBody>
                   <a:tcPr anchor="ctr"/>
                 </a:tc>
+                <a:extLst>
+                  <a:ext uri="{0D108BD9-81ED-4DB2-BD59-A6C34878D82A}">
+                    <a16:rowId xmlns:a16="http://schemas.microsoft.com/office/drawing/2014/main" val="10000"/>
+                  </a:ext>
+                </a:extLst>
               </a:tr>
             </a:tbl>
           </a:graphicData>
@@ -16015,14 +16472,62 @@
                 <a:tableStyleId>{5940675A-B579-460E-94D1-54222C63F5DA}</a:tableStyleId>
               </a:tblPr>
               <a:tblGrid>
-                <a:gridCol w="567063"/>
-                <a:gridCol w="567063"/>
-                <a:gridCol w="567063"/>
-                <a:gridCol w="567063"/>
-                <a:gridCol w="567063"/>
-                <a:gridCol w="567063"/>
-                <a:gridCol w="567063"/>
-                <a:gridCol w="567063"/>
+                <a:gridCol w="567063">
+                  <a:extLst>
+                    <a:ext uri="{9D8B030D-6E8A-4147-A177-3AD203B41FA5}">
+                      <a16:colId xmlns:a16="http://schemas.microsoft.com/office/drawing/2014/main" val="20000"/>
+                    </a:ext>
+                  </a:extLst>
+                </a:gridCol>
+                <a:gridCol w="567063">
+                  <a:extLst>
+                    <a:ext uri="{9D8B030D-6E8A-4147-A177-3AD203B41FA5}">
+                      <a16:colId xmlns:a16="http://schemas.microsoft.com/office/drawing/2014/main" val="20001"/>
+                    </a:ext>
+                  </a:extLst>
+                </a:gridCol>
+                <a:gridCol w="567063">
+                  <a:extLst>
+                    <a:ext uri="{9D8B030D-6E8A-4147-A177-3AD203B41FA5}">
+                      <a16:colId xmlns:a16="http://schemas.microsoft.com/office/drawing/2014/main" val="20002"/>
+                    </a:ext>
+                  </a:extLst>
+                </a:gridCol>
+                <a:gridCol w="567063">
+                  <a:extLst>
+                    <a:ext uri="{9D8B030D-6E8A-4147-A177-3AD203B41FA5}">
+                      <a16:colId xmlns:a16="http://schemas.microsoft.com/office/drawing/2014/main" val="20003"/>
+                    </a:ext>
+                  </a:extLst>
+                </a:gridCol>
+                <a:gridCol w="567063">
+                  <a:extLst>
+                    <a:ext uri="{9D8B030D-6E8A-4147-A177-3AD203B41FA5}">
+                      <a16:colId xmlns:a16="http://schemas.microsoft.com/office/drawing/2014/main" val="20004"/>
+                    </a:ext>
+                  </a:extLst>
+                </a:gridCol>
+                <a:gridCol w="567063">
+                  <a:extLst>
+                    <a:ext uri="{9D8B030D-6E8A-4147-A177-3AD203B41FA5}">
+                      <a16:colId xmlns:a16="http://schemas.microsoft.com/office/drawing/2014/main" val="20005"/>
+                    </a:ext>
+                  </a:extLst>
+                </a:gridCol>
+                <a:gridCol w="567063">
+                  <a:extLst>
+                    <a:ext uri="{9D8B030D-6E8A-4147-A177-3AD203B41FA5}">
+                      <a16:colId xmlns:a16="http://schemas.microsoft.com/office/drawing/2014/main" val="20006"/>
+                    </a:ext>
+                  </a:extLst>
+                </a:gridCol>
+                <a:gridCol w="567063">
+                  <a:extLst>
+                    <a:ext uri="{9D8B030D-6E8A-4147-A177-3AD203B41FA5}">
+                      <a16:colId xmlns:a16="http://schemas.microsoft.com/office/drawing/2014/main" val="20007"/>
+                    </a:ext>
+                  </a:extLst>
+                </a:gridCol>
               </a:tblGrid>
               <a:tr h="396912">
                 <a:tc>
@@ -16153,6 +16658,11 @@
                   </a:txBody>
                   <a:tcPr anchor="ctr"/>
                 </a:tc>
+                <a:extLst>
+                  <a:ext uri="{0D108BD9-81ED-4DB2-BD59-A6C34878D82A}">
+                    <a16:rowId xmlns:a16="http://schemas.microsoft.com/office/drawing/2014/main" val="10000"/>
+                  </a:ext>
+                </a:extLst>
               </a:tr>
             </a:tbl>
           </a:graphicData>
@@ -16647,7 +17157,7 @@
           <a:p>
             <a:fld id="{1BDE3FE7-3AEA-4B05-AC5A-802D1816ACF0}" type="slidenum">
               <a:rPr lang="ko-KR" altLang="en-US" smtClean="0"/>
-              <a:t>30</a:t>
+              <a:t>31</a:t>
             </a:fld>
             <a:endParaRPr lang="ko-KR" altLang="en-US"/>
           </a:p>
@@ -16978,7 +17488,7 @@
 </p:sld>
 </file>
 
-<file path=ppt/slides/slide31.xml><?xml version="1.0" encoding="utf-8"?>
+<file path=ppt/slides/slide32.xml><?xml version="1.0" encoding="utf-8"?>
 <p:sld xmlns:a="http://schemas.openxmlformats.org/drawingml/2006/main" xmlns:r="http://schemas.openxmlformats.org/officeDocument/2006/relationships" xmlns:p="http://schemas.openxmlformats.org/presentationml/2006/main">
   <p:cSld>
     <p:spTree>
@@ -17039,7 +17549,7 @@
           <a:p>
             <a:fld id="{1BDE3FE7-3AEA-4B05-AC5A-802D1816ACF0}" type="slidenum">
               <a:rPr lang="ko-KR" altLang="en-US" smtClean="0"/>
-              <a:t>31</a:t>
+              <a:t>32</a:t>
             </a:fld>
             <a:endParaRPr lang="ko-KR" altLang="en-US"/>
           </a:p>
@@ -17128,9 +17638,27 @@
                 <a:tableStyleId>{5940675A-B579-460E-94D1-54222C63F5DA}</a:tableStyleId>
               </a:tblPr>
               <a:tblGrid>
-                <a:gridCol w="567063"/>
-                <a:gridCol w="567063"/>
-                <a:gridCol w="567063"/>
+                <a:gridCol w="567063">
+                  <a:extLst>
+                    <a:ext uri="{9D8B030D-6E8A-4147-A177-3AD203B41FA5}">
+                      <a16:colId xmlns:a16="http://schemas.microsoft.com/office/drawing/2014/main" val="20000"/>
+                    </a:ext>
+                  </a:extLst>
+                </a:gridCol>
+                <a:gridCol w="567063">
+                  <a:extLst>
+                    <a:ext uri="{9D8B030D-6E8A-4147-A177-3AD203B41FA5}">
+                      <a16:colId xmlns:a16="http://schemas.microsoft.com/office/drawing/2014/main" val="20001"/>
+                    </a:ext>
+                  </a:extLst>
+                </a:gridCol>
+                <a:gridCol w="567063">
+                  <a:extLst>
+                    <a:ext uri="{9D8B030D-6E8A-4147-A177-3AD203B41FA5}">
+                      <a16:colId xmlns:a16="http://schemas.microsoft.com/office/drawing/2014/main" val="20002"/>
+                    </a:ext>
+                  </a:extLst>
+                </a:gridCol>
               </a:tblGrid>
               <a:tr h="396912">
                 <a:tc>
@@ -17186,6 +17714,11 @@
                   </a:txBody>
                   <a:tcPr anchor="ctr"/>
                 </a:tc>
+                <a:extLst>
+                  <a:ext uri="{0D108BD9-81ED-4DB2-BD59-A6C34878D82A}">
+                    <a16:rowId xmlns:a16="http://schemas.microsoft.com/office/drawing/2014/main" val="10000"/>
+                  </a:ext>
+                </a:extLst>
               </a:tr>
             </a:tbl>
           </a:graphicData>
@@ -17349,9 +17882,27 @@
                 <a:tableStyleId>{5940675A-B579-460E-94D1-54222C63F5DA}</a:tableStyleId>
               </a:tblPr>
               <a:tblGrid>
-                <a:gridCol w="567063"/>
-                <a:gridCol w="567063"/>
-                <a:gridCol w="567063"/>
+                <a:gridCol w="567063">
+                  <a:extLst>
+                    <a:ext uri="{9D8B030D-6E8A-4147-A177-3AD203B41FA5}">
+                      <a16:colId xmlns:a16="http://schemas.microsoft.com/office/drawing/2014/main" val="20000"/>
+                    </a:ext>
+                  </a:extLst>
+                </a:gridCol>
+                <a:gridCol w="567063">
+                  <a:extLst>
+                    <a:ext uri="{9D8B030D-6E8A-4147-A177-3AD203B41FA5}">
+                      <a16:colId xmlns:a16="http://schemas.microsoft.com/office/drawing/2014/main" val="20001"/>
+                    </a:ext>
+                  </a:extLst>
+                </a:gridCol>
+                <a:gridCol w="567063">
+                  <a:extLst>
+                    <a:ext uri="{9D8B030D-6E8A-4147-A177-3AD203B41FA5}">
+                      <a16:colId xmlns:a16="http://schemas.microsoft.com/office/drawing/2014/main" val="20002"/>
+                    </a:ext>
+                  </a:extLst>
+                </a:gridCol>
               </a:tblGrid>
               <a:tr h="396912">
                 <a:tc>
@@ -17407,6 +17958,11 @@
                   </a:txBody>
                   <a:tcPr anchor="ctr"/>
                 </a:tc>
+                <a:extLst>
+                  <a:ext uri="{0D108BD9-81ED-4DB2-BD59-A6C34878D82A}">
+                    <a16:rowId xmlns:a16="http://schemas.microsoft.com/office/drawing/2014/main" val="10000"/>
+                  </a:ext>
+                </a:extLst>
               </a:tr>
             </a:tbl>
           </a:graphicData>
@@ -17704,167 +18260,6 @@
     <p:extLst>
       <p:ext uri="{BB962C8B-B14F-4D97-AF65-F5344CB8AC3E}">
         <p14:creationId xmlns:p14="http://schemas.microsoft.com/office/powerpoint/2010/main" val="3637118741"/>
-      </p:ext>
-    </p:extLst>
-  </p:cSld>
-  <p:clrMapOvr>
-    <a:masterClrMapping/>
-  </p:clrMapOvr>
-  <p:timing>
-    <p:tnLst>
-      <p:par>
-        <p:cTn id="1" dur="indefinite" restart="never" nodeType="tmRoot"/>
-      </p:par>
-    </p:tnLst>
-  </p:timing>
-</p:sld>
-</file>
-
-<file path=ppt/slides/slide32.xml><?xml version="1.0" encoding="utf-8"?>
-<p:sld xmlns:a="http://schemas.openxmlformats.org/drawingml/2006/main" xmlns:r="http://schemas.openxmlformats.org/officeDocument/2006/relationships" xmlns:p="http://schemas.openxmlformats.org/presentationml/2006/main">
-  <p:cSld>
-    <p:spTree>
-      <p:nvGrpSpPr>
-        <p:cNvPr id="1" name=""/>
-        <p:cNvGrpSpPr/>
-        <p:nvPr/>
-      </p:nvGrpSpPr>
-      <p:grpSpPr>
-        <a:xfrm>
-          <a:off x="0" y="0"/>
-          <a:ext cx="0" cy="0"/>
-          <a:chOff x="0" y="0"/>
-          <a:chExt cx="0" cy="0"/>
-        </a:xfrm>
-      </p:grpSpPr>
-      <p:sp>
-        <p:nvSpPr>
-          <p:cNvPr id="6" name="제목 5"/>
-          <p:cNvSpPr>
-            <a:spLocks noGrp="1"/>
-          </p:cNvSpPr>
-          <p:nvPr>
-            <p:ph type="title"/>
-          </p:nvPr>
-        </p:nvSpPr>
-        <p:spPr/>
-        <p:txBody>
-          <a:bodyPr/>
-          <a:lstStyle/>
-          <a:p>
-            <a:r>
-              <a:rPr lang="en-US" altLang="ko-KR" dirty="0" smtClean="0"/>
-              <a:t> </a:t>
-            </a:r>
-            <a:r>
-              <a:rPr lang="ko-KR" altLang="en-US" dirty="0" smtClean="0"/>
-              <a:t>아스키 코드</a:t>
-            </a:r>
-            <a:endParaRPr lang="ko-KR" altLang="en-US" dirty="0"/>
-          </a:p>
-        </p:txBody>
-      </p:sp>
-      <p:sp>
-        <p:nvSpPr>
-          <p:cNvPr id="5" name="슬라이드 번호 개체 틀 4"/>
-          <p:cNvSpPr>
-            <a:spLocks noGrp="1"/>
-          </p:cNvSpPr>
-          <p:nvPr>
-            <p:ph type="sldNum" sz="quarter" idx="12"/>
-          </p:nvPr>
-        </p:nvSpPr>
-        <p:spPr/>
-        <p:txBody>
-          <a:bodyPr/>
-          <a:lstStyle/>
-          <a:p>
-            <a:fld id="{1BDE3FE7-3AEA-4B05-AC5A-802D1816ACF0}" type="slidenum">
-              <a:rPr lang="ko-KR" altLang="en-US" smtClean="0"/>
-              <a:t>32</a:t>
-            </a:fld>
-            <a:endParaRPr lang="ko-KR" altLang="en-US"/>
-          </a:p>
-        </p:txBody>
-      </p:sp>
-      <p:sp>
-        <p:nvSpPr>
-          <p:cNvPr id="3" name="TextBox 2"/>
-          <p:cNvSpPr txBox="1"/>
-          <p:nvPr/>
-        </p:nvSpPr>
-        <p:spPr>
-          <a:xfrm>
-            <a:off x="817778" y="1372706"/>
-            <a:ext cx="3559158" cy="400110"/>
-          </a:xfrm>
-          <a:prstGeom prst="rect">
-            <a:avLst/>
-          </a:prstGeom>
-          <a:noFill/>
-        </p:spPr>
-        <p:txBody>
-          <a:bodyPr wrap="square" rtlCol="0">
-            <a:spAutoFit/>
-          </a:bodyPr>
-          <a:lstStyle/>
-          <a:p>
-            <a:pPr marL="342900" indent="-342900">
-              <a:buFont typeface="Wingdings" panose="05000000000000000000" pitchFamily="2" charset="2"/>
-              <a:buChar char="l"/>
-            </a:pPr>
-            <a:r>
-              <a:rPr lang="ko-KR" altLang="en-US" sz="2000" dirty="0" smtClean="0"/>
-              <a:t> 아스키 코드</a:t>
-            </a:r>
-            <a:r>
-              <a:rPr lang="en-US" altLang="ko-KR" sz="2000" dirty="0" smtClean="0"/>
-              <a:t>(ASCII Code)</a:t>
-            </a:r>
-            <a:endParaRPr lang="ko-KR" altLang="en-US" sz="2000" dirty="0"/>
-          </a:p>
-        </p:txBody>
-      </p:sp>
-      <p:pic>
-        <p:nvPicPr>
-          <p:cNvPr id="4" name="그림 3"/>
-          <p:cNvPicPr>
-            <a:picLocks noChangeAspect="1"/>
-          </p:cNvPicPr>
-          <p:nvPr/>
-        </p:nvPicPr>
-        <p:blipFill rotWithShape="1">
-          <a:blip r:embed="rId2">
-            <a:extLst>
-              <a:ext uri="{28A0092B-C50C-407E-A947-70E740481C1C}">
-                <a14:useLocalDpi xmlns:a14="http://schemas.microsoft.com/office/drawing/2010/main" val="0"/>
-              </a:ext>
-            </a:extLst>
-          </a:blip>
-          <a:srcRect b="33161"/>
-          <a:stretch/>
-        </p:blipFill>
-        <p:spPr>
-          <a:xfrm>
-            <a:off x="1280592" y="1916832"/>
-            <a:ext cx="7219937" cy="3267360"/>
-          </a:xfrm>
-          <a:prstGeom prst="rect">
-            <a:avLst/>
-          </a:prstGeom>
-          <a:ln>
-            <a:solidFill>
-              <a:schemeClr val="bg1">
-                <a:lumMod val="85000"/>
-              </a:schemeClr>
-            </a:solidFill>
-          </a:ln>
-        </p:spPr>
-      </p:pic>
-    </p:spTree>
-    <p:extLst>
-      <p:ext uri="{BB962C8B-B14F-4D97-AF65-F5344CB8AC3E}">
-        <p14:creationId xmlns:p14="http://schemas.microsoft.com/office/powerpoint/2010/main" val="1170728366"/>
       </p:ext>
     </p:extLst>
   </p:cSld>
@@ -17919,19 +18314,7 @@
             </a:r>
             <a:r>
               <a:rPr lang="ko-KR" altLang="en-US" dirty="0" smtClean="0"/>
-              <a:t>유</a:t>
-            </a:r>
-            <a:r>
-              <a:rPr lang="ko-KR" altLang="en-US" dirty="0"/>
-              <a:t>니</a:t>
-            </a:r>
-            <a:r>
-              <a:rPr lang="ko-KR" altLang="en-US" dirty="0" smtClean="0"/>
-              <a:t> 코드</a:t>
-            </a:r>
-            <a:r>
-              <a:rPr lang="en-US" altLang="ko-KR" dirty="0" smtClean="0"/>
-              <a:t>(Unicode)</a:t>
+              <a:t>아스키 코드</a:t>
             </a:r>
             <a:endParaRPr lang="ko-KR" altLang="en-US" dirty="0"/>
           </a:p>
@@ -17955,6 +18338,179 @@
             <a:fld id="{1BDE3FE7-3AEA-4B05-AC5A-802D1816ACF0}" type="slidenum">
               <a:rPr lang="ko-KR" altLang="en-US" smtClean="0"/>
               <a:t>33</a:t>
+            </a:fld>
+            <a:endParaRPr lang="ko-KR" altLang="en-US"/>
+          </a:p>
+        </p:txBody>
+      </p:sp>
+      <p:sp>
+        <p:nvSpPr>
+          <p:cNvPr id="3" name="TextBox 2"/>
+          <p:cNvSpPr txBox="1"/>
+          <p:nvPr/>
+        </p:nvSpPr>
+        <p:spPr>
+          <a:xfrm>
+            <a:off x="817778" y="1372706"/>
+            <a:ext cx="3559158" cy="400110"/>
+          </a:xfrm>
+          <a:prstGeom prst="rect">
+            <a:avLst/>
+          </a:prstGeom>
+          <a:noFill/>
+        </p:spPr>
+        <p:txBody>
+          <a:bodyPr wrap="square" rtlCol="0">
+            <a:spAutoFit/>
+          </a:bodyPr>
+          <a:lstStyle/>
+          <a:p>
+            <a:pPr marL="342900" indent="-342900">
+              <a:buFont typeface="Wingdings" panose="05000000000000000000" pitchFamily="2" charset="2"/>
+              <a:buChar char="l"/>
+            </a:pPr>
+            <a:r>
+              <a:rPr lang="ko-KR" altLang="en-US" sz="2000" dirty="0" smtClean="0"/>
+              <a:t> 아스키 코드</a:t>
+            </a:r>
+            <a:r>
+              <a:rPr lang="en-US" altLang="ko-KR" sz="2000" dirty="0" smtClean="0"/>
+              <a:t>(ASCII Code)</a:t>
+            </a:r>
+            <a:endParaRPr lang="ko-KR" altLang="en-US" sz="2000" dirty="0"/>
+          </a:p>
+        </p:txBody>
+      </p:sp>
+      <p:pic>
+        <p:nvPicPr>
+          <p:cNvPr id="4" name="그림 3"/>
+          <p:cNvPicPr>
+            <a:picLocks noChangeAspect="1"/>
+          </p:cNvPicPr>
+          <p:nvPr/>
+        </p:nvPicPr>
+        <p:blipFill rotWithShape="1">
+          <a:blip r:embed="rId2">
+            <a:extLst>
+              <a:ext uri="{28A0092B-C50C-407E-A947-70E740481C1C}">
+                <a14:useLocalDpi xmlns:a14="http://schemas.microsoft.com/office/drawing/2010/main" val="0"/>
+              </a:ext>
+            </a:extLst>
+          </a:blip>
+          <a:srcRect b="33161"/>
+          <a:stretch/>
+        </p:blipFill>
+        <p:spPr>
+          <a:xfrm>
+            <a:off x="1280592" y="1916832"/>
+            <a:ext cx="7219937" cy="3267360"/>
+          </a:xfrm>
+          <a:prstGeom prst="rect">
+            <a:avLst/>
+          </a:prstGeom>
+          <a:ln>
+            <a:solidFill>
+              <a:schemeClr val="bg1">
+                <a:lumMod val="85000"/>
+              </a:schemeClr>
+            </a:solidFill>
+          </a:ln>
+        </p:spPr>
+      </p:pic>
+    </p:spTree>
+    <p:extLst>
+      <p:ext uri="{BB962C8B-B14F-4D97-AF65-F5344CB8AC3E}">
+        <p14:creationId xmlns:p14="http://schemas.microsoft.com/office/powerpoint/2010/main" val="1170728366"/>
+      </p:ext>
+    </p:extLst>
+  </p:cSld>
+  <p:clrMapOvr>
+    <a:masterClrMapping/>
+  </p:clrMapOvr>
+  <p:timing>
+    <p:tnLst>
+      <p:par>
+        <p:cTn id="1" dur="indefinite" restart="never" nodeType="tmRoot"/>
+      </p:par>
+    </p:tnLst>
+  </p:timing>
+</p:sld>
+</file>
+
+<file path=ppt/slides/slide34.xml><?xml version="1.0" encoding="utf-8"?>
+<p:sld xmlns:a="http://schemas.openxmlformats.org/drawingml/2006/main" xmlns:r="http://schemas.openxmlformats.org/officeDocument/2006/relationships" xmlns:p="http://schemas.openxmlformats.org/presentationml/2006/main">
+  <p:cSld>
+    <p:spTree>
+      <p:nvGrpSpPr>
+        <p:cNvPr id="1" name=""/>
+        <p:cNvGrpSpPr/>
+        <p:nvPr/>
+      </p:nvGrpSpPr>
+      <p:grpSpPr>
+        <a:xfrm>
+          <a:off x="0" y="0"/>
+          <a:ext cx="0" cy="0"/>
+          <a:chOff x="0" y="0"/>
+          <a:chExt cx="0" cy="0"/>
+        </a:xfrm>
+      </p:grpSpPr>
+      <p:sp>
+        <p:nvSpPr>
+          <p:cNvPr id="6" name="제목 5"/>
+          <p:cNvSpPr>
+            <a:spLocks noGrp="1"/>
+          </p:cNvSpPr>
+          <p:nvPr>
+            <p:ph type="title"/>
+          </p:nvPr>
+        </p:nvSpPr>
+        <p:spPr/>
+        <p:txBody>
+          <a:bodyPr/>
+          <a:lstStyle/>
+          <a:p>
+            <a:r>
+              <a:rPr lang="en-US" altLang="ko-KR" dirty="0" smtClean="0"/>
+              <a:t> </a:t>
+            </a:r>
+            <a:r>
+              <a:rPr lang="ko-KR" altLang="en-US" dirty="0" smtClean="0"/>
+              <a:t>유</a:t>
+            </a:r>
+            <a:r>
+              <a:rPr lang="ko-KR" altLang="en-US" dirty="0"/>
+              <a:t>니</a:t>
+            </a:r>
+            <a:r>
+              <a:rPr lang="ko-KR" altLang="en-US" dirty="0" smtClean="0"/>
+              <a:t> 코드</a:t>
+            </a:r>
+            <a:r>
+              <a:rPr lang="en-US" altLang="ko-KR" dirty="0" smtClean="0"/>
+              <a:t>(Unicode)</a:t>
+            </a:r>
+            <a:endParaRPr lang="ko-KR" altLang="en-US" dirty="0"/>
+          </a:p>
+        </p:txBody>
+      </p:sp>
+      <p:sp>
+        <p:nvSpPr>
+          <p:cNvPr id="5" name="슬라이드 번호 개체 틀 4"/>
+          <p:cNvSpPr>
+            <a:spLocks noGrp="1"/>
+          </p:cNvSpPr>
+          <p:nvPr>
+            <p:ph type="sldNum" sz="quarter" idx="12"/>
+          </p:nvPr>
+        </p:nvSpPr>
+        <p:spPr/>
+        <p:txBody>
+          <a:bodyPr/>
+          <a:lstStyle/>
+          <a:p>
+            <a:fld id="{1BDE3FE7-3AEA-4B05-AC5A-802D1816ACF0}" type="slidenum">
+              <a:rPr lang="ko-KR" altLang="en-US" smtClean="0"/>
+              <a:t>34</a:t>
             </a:fld>
             <a:endParaRPr lang="ko-KR" altLang="en-US"/>
           </a:p>
